--- a/drawing/图片.pptx
+++ b/drawing/图片.pptx
@@ -7,6 +7,11 @@
   <p:sldIdLst>
     <p:sldId id="256" r:id="rId2"/>
     <p:sldId id="257" r:id="rId3"/>
+    <p:sldId id="258" r:id="rId4"/>
+    <p:sldId id="259" r:id="rId5"/>
+    <p:sldId id="260" r:id="rId6"/>
+    <p:sldId id="261" r:id="rId7"/>
+    <p:sldId id="262" r:id="rId8"/>
   </p:sldIdLst>
   <p:sldSz cx="12192000" cy="6858000"/>
   <p:notesSz cx="6858000" cy="9144000"/>
@@ -105,6 +110,11 @@
       </a:defRPr>
     </a:lvl9pPr>
   </p:defaultTextStyle>
+  <p:extLst>
+    <p:ext uri="{EFAFB233-063F-42B5-8137-9DF3F51BA10A}">
+      <p15:sldGuideLst xmlns:p15="http://schemas.microsoft.com/office/powerpoint/2012/main"/>
+    </p:ext>
+  </p:extLst>
 </p:presentation>
 </file>
 
@@ -255,7 +265,7 @@
           <a:p>
             <a:fld id="{8B114F6E-A714-4CDD-9511-1F5AA9285562}" type="datetimeFigureOut">
               <a:rPr lang="zh-CN" altLang="en-US" smtClean="0"/>
-              <a:t>2019/7/29</a:t>
+              <a:t>2019/7/31</a:t>
             </a:fld>
             <a:endParaRPr lang="zh-CN" altLang="en-US"/>
           </a:p>
@@ -453,7 +463,7 @@
           <a:p>
             <a:fld id="{8B114F6E-A714-4CDD-9511-1F5AA9285562}" type="datetimeFigureOut">
               <a:rPr lang="zh-CN" altLang="en-US" smtClean="0"/>
-              <a:t>2019/7/29</a:t>
+              <a:t>2019/7/31</a:t>
             </a:fld>
             <a:endParaRPr lang="zh-CN" altLang="en-US"/>
           </a:p>
@@ -661,7 +671,7 @@
           <a:p>
             <a:fld id="{8B114F6E-A714-4CDD-9511-1F5AA9285562}" type="datetimeFigureOut">
               <a:rPr lang="zh-CN" altLang="en-US" smtClean="0"/>
-              <a:t>2019/7/29</a:t>
+              <a:t>2019/7/31</a:t>
             </a:fld>
             <a:endParaRPr lang="zh-CN" altLang="en-US"/>
           </a:p>
@@ -859,7 +869,7 @@
           <a:p>
             <a:fld id="{8B114F6E-A714-4CDD-9511-1F5AA9285562}" type="datetimeFigureOut">
               <a:rPr lang="zh-CN" altLang="en-US" smtClean="0"/>
-              <a:t>2019/7/29</a:t>
+              <a:t>2019/7/31</a:t>
             </a:fld>
             <a:endParaRPr lang="zh-CN" altLang="en-US"/>
           </a:p>
@@ -1134,7 +1144,7 @@
           <a:p>
             <a:fld id="{8B114F6E-A714-4CDD-9511-1F5AA9285562}" type="datetimeFigureOut">
               <a:rPr lang="zh-CN" altLang="en-US" smtClean="0"/>
-              <a:t>2019/7/29</a:t>
+              <a:t>2019/7/31</a:t>
             </a:fld>
             <a:endParaRPr lang="zh-CN" altLang="en-US"/>
           </a:p>
@@ -1399,7 +1409,7 @@
           <a:p>
             <a:fld id="{8B114F6E-A714-4CDD-9511-1F5AA9285562}" type="datetimeFigureOut">
               <a:rPr lang="zh-CN" altLang="en-US" smtClean="0"/>
-              <a:t>2019/7/29</a:t>
+              <a:t>2019/7/31</a:t>
             </a:fld>
             <a:endParaRPr lang="zh-CN" altLang="en-US"/>
           </a:p>
@@ -1811,7 +1821,7 @@
           <a:p>
             <a:fld id="{8B114F6E-A714-4CDD-9511-1F5AA9285562}" type="datetimeFigureOut">
               <a:rPr lang="zh-CN" altLang="en-US" smtClean="0"/>
-              <a:t>2019/7/29</a:t>
+              <a:t>2019/7/31</a:t>
             </a:fld>
             <a:endParaRPr lang="zh-CN" altLang="en-US"/>
           </a:p>
@@ -1952,7 +1962,7 @@
           <a:p>
             <a:fld id="{8B114F6E-A714-4CDD-9511-1F5AA9285562}" type="datetimeFigureOut">
               <a:rPr lang="zh-CN" altLang="en-US" smtClean="0"/>
-              <a:t>2019/7/29</a:t>
+              <a:t>2019/7/31</a:t>
             </a:fld>
             <a:endParaRPr lang="zh-CN" altLang="en-US"/>
           </a:p>
@@ -2065,7 +2075,7 @@
           <a:p>
             <a:fld id="{8B114F6E-A714-4CDD-9511-1F5AA9285562}" type="datetimeFigureOut">
               <a:rPr lang="zh-CN" altLang="en-US" smtClean="0"/>
-              <a:t>2019/7/29</a:t>
+              <a:t>2019/7/31</a:t>
             </a:fld>
             <a:endParaRPr lang="zh-CN" altLang="en-US"/>
           </a:p>
@@ -2376,7 +2386,7 @@
           <a:p>
             <a:fld id="{8B114F6E-A714-4CDD-9511-1F5AA9285562}" type="datetimeFigureOut">
               <a:rPr lang="zh-CN" altLang="en-US" smtClean="0"/>
-              <a:t>2019/7/29</a:t>
+              <a:t>2019/7/31</a:t>
             </a:fld>
             <a:endParaRPr lang="zh-CN" altLang="en-US"/>
           </a:p>
@@ -2664,7 +2674,7 @@
           <a:p>
             <a:fld id="{8B114F6E-A714-4CDD-9511-1F5AA9285562}" type="datetimeFigureOut">
               <a:rPr lang="zh-CN" altLang="en-US" smtClean="0"/>
-              <a:t>2019/7/29</a:t>
+              <a:t>2019/7/31</a:t>
             </a:fld>
             <a:endParaRPr lang="zh-CN" altLang="en-US"/>
           </a:p>
@@ -2905,7 +2915,7 @@
           <a:p>
             <a:fld id="{8B114F6E-A714-4CDD-9511-1F5AA9285562}" type="datetimeFigureOut">
               <a:rPr lang="zh-CN" altLang="en-US" smtClean="0"/>
-              <a:t>2019/7/29</a:t>
+              <a:t>2019/7/31</a:t>
             </a:fld>
             <a:endParaRPr lang="zh-CN" altLang="en-US"/>
           </a:p>
@@ -4927,6 +4937,2287 @@
 </p:sld>
 </file>
 
+<file path=ppt/slides/slide3.xml><?xml version="1.0" encoding="utf-8"?>
+<p:sld xmlns:a="http://schemas.openxmlformats.org/drawingml/2006/main" xmlns:r="http://schemas.openxmlformats.org/officeDocument/2006/relationships" xmlns:p="http://schemas.openxmlformats.org/presentationml/2006/main">
+  <p:cSld>
+    <p:spTree>
+      <p:nvGrpSpPr>
+        <p:cNvPr id="1" name=""/>
+        <p:cNvGrpSpPr/>
+        <p:nvPr/>
+      </p:nvGrpSpPr>
+      <p:grpSpPr>
+        <a:xfrm>
+          <a:off x="0" y="0"/>
+          <a:ext cx="0" cy="0"/>
+          <a:chOff x="0" y="0"/>
+          <a:chExt cx="0" cy="0"/>
+        </a:xfrm>
+      </p:grpSpPr>
+      <p:pic>
+        <p:nvPicPr>
+          <p:cNvPr id="5" name="图片 4">
+            <a:extLst>
+              <a:ext uri="{FF2B5EF4-FFF2-40B4-BE49-F238E27FC236}">
+                <a16:creationId xmlns:a16="http://schemas.microsoft.com/office/drawing/2014/main" id="{D049E9A8-9A79-41C8-B039-5DF35FF95084}"/>
+              </a:ext>
+            </a:extLst>
+          </p:cNvPr>
+          <p:cNvPicPr>
+            <a:picLocks noChangeAspect="1"/>
+          </p:cNvPicPr>
+          <p:nvPr/>
+        </p:nvPicPr>
+        <p:blipFill>
+          <a:blip r:embed="rId2">
+            <a:extLst>
+              <a:ext uri="{28A0092B-C50C-407E-A947-70E740481C1C}">
+                <a14:useLocalDpi xmlns:a14="http://schemas.microsoft.com/office/drawing/2010/main" val="0"/>
+              </a:ext>
+            </a:extLst>
+          </a:blip>
+          <a:stretch>
+            <a:fillRect/>
+          </a:stretch>
+        </p:blipFill>
+        <p:spPr>
+          <a:xfrm>
+            <a:off x="1411335" y="1127634"/>
+            <a:ext cx="8472100" cy="3930141"/>
+          </a:xfrm>
+          <a:prstGeom prst="rect">
+            <a:avLst/>
+          </a:prstGeom>
+        </p:spPr>
+      </p:pic>
+      <p:sp>
+        <p:nvSpPr>
+          <p:cNvPr id="6" name="矩形 5">
+            <a:extLst>
+              <a:ext uri="{FF2B5EF4-FFF2-40B4-BE49-F238E27FC236}">
+                <a16:creationId xmlns:a16="http://schemas.microsoft.com/office/drawing/2014/main" id="{0020FECB-7740-4A85-89C8-9EDF6C4E30AA}"/>
+              </a:ext>
+            </a:extLst>
+          </p:cNvPr>
+          <p:cNvSpPr/>
+          <p:nvPr/>
+        </p:nvSpPr>
+        <p:spPr>
+          <a:xfrm>
+            <a:off x="8086725" y="4271963"/>
+            <a:ext cx="1796710" cy="785812"/>
+          </a:xfrm>
+          <a:prstGeom prst="rect">
+            <a:avLst/>
+          </a:prstGeom>
+          <a:solidFill>
+            <a:srgbClr val="FBFAE8"/>
+          </a:solidFill>
+          <a:ln>
+            <a:noFill/>
+          </a:ln>
+        </p:spPr>
+        <p:style>
+          <a:lnRef idx="2">
+            <a:schemeClr val="accent1">
+              <a:shade val="50000"/>
+            </a:schemeClr>
+          </a:lnRef>
+          <a:fillRef idx="1">
+            <a:schemeClr val="accent1"/>
+          </a:fillRef>
+          <a:effectRef idx="0">
+            <a:schemeClr val="accent1"/>
+          </a:effectRef>
+          <a:fontRef idx="minor">
+            <a:schemeClr val="lt1"/>
+          </a:fontRef>
+        </p:style>
+        <p:txBody>
+          <a:bodyPr rtlCol="0" anchor="ctr"/>
+          <a:lstStyle/>
+          <a:p>
+            <a:pPr algn="ctr"/>
+            <a:endParaRPr lang="zh-CN" altLang="en-US"/>
+          </a:p>
+        </p:txBody>
+      </p:sp>
+    </p:spTree>
+    <p:extLst>
+      <p:ext uri="{BB962C8B-B14F-4D97-AF65-F5344CB8AC3E}">
+        <p14:creationId xmlns:p14="http://schemas.microsoft.com/office/powerpoint/2010/main" val="943878140"/>
+      </p:ext>
+    </p:extLst>
+  </p:cSld>
+  <p:clrMapOvr>
+    <a:masterClrMapping/>
+  </p:clrMapOvr>
+</p:sld>
+</file>
+
+<file path=ppt/slides/slide4.xml><?xml version="1.0" encoding="utf-8"?>
+<p:sld xmlns:a="http://schemas.openxmlformats.org/drawingml/2006/main" xmlns:r="http://schemas.openxmlformats.org/officeDocument/2006/relationships" xmlns:p="http://schemas.openxmlformats.org/presentationml/2006/main">
+  <p:cSld>
+    <p:spTree>
+      <p:nvGrpSpPr>
+        <p:cNvPr id="1" name=""/>
+        <p:cNvGrpSpPr/>
+        <p:nvPr/>
+      </p:nvGrpSpPr>
+      <p:grpSpPr>
+        <a:xfrm>
+          <a:off x="0" y="0"/>
+          <a:ext cx="0" cy="0"/>
+          <a:chOff x="0" y="0"/>
+          <a:chExt cx="0" cy="0"/>
+        </a:xfrm>
+      </p:grpSpPr>
+      <p:pic>
+        <p:nvPicPr>
+          <p:cNvPr id="5" name="图片 4">
+            <a:extLst>
+              <a:ext uri="{FF2B5EF4-FFF2-40B4-BE49-F238E27FC236}">
+                <a16:creationId xmlns:a16="http://schemas.microsoft.com/office/drawing/2014/main" id="{2F6969E4-C8A8-4D93-9793-67DF762897C9}"/>
+              </a:ext>
+            </a:extLst>
+          </p:cNvPr>
+          <p:cNvPicPr>
+            <a:picLocks noChangeAspect="1"/>
+          </p:cNvPicPr>
+          <p:nvPr/>
+        </p:nvPicPr>
+        <p:blipFill>
+          <a:blip r:embed="rId2">
+            <a:extLst>
+              <a:ext uri="{28A0092B-C50C-407E-A947-70E740481C1C}">
+                <a14:useLocalDpi xmlns:a14="http://schemas.microsoft.com/office/drawing/2010/main" val="0"/>
+              </a:ext>
+            </a:extLst>
+          </a:blip>
+          <a:stretch>
+            <a:fillRect/>
+          </a:stretch>
+        </p:blipFill>
+        <p:spPr>
+          <a:xfrm>
+            <a:off x="858891" y="809503"/>
+            <a:ext cx="9026780" cy="4133971"/>
+          </a:xfrm>
+          <a:prstGeom prst="rect">
+            <a:avLst/>
+          </a:prstGeom>
+        </p:spPr>
+      </p:pic>
+      <p:sp>
+        <p:nvSpPr>
+          <p:cNvPr id="6" name="矩形 5">
+            <a:extLst>
+              <a:ext uri="{FF2B5EF4-FFF2-40B4-BE49-F238E27FC236}">
+                <a16:creationId xmlns:a16="http://schemas.microsoft.com/office/drawing/2014/main" id="{8B71586F-CDD9-409F-A1B1-27EC8F2CF8EB}"/>
+              </a:ext>
+            </a:extLst>
+          </p:cNvPr>
+          <p:cNvSpPr/>
+          <p:nvPr/>
+        </p:nvSpPr>
+        <p:spPr>
+          <a:xfrm>
+            <a:off x="8872538" y="4629150"/>
+            <a:ext cx="1013133" cy="314324"/>
+          </a:xfrm>
+          <a:prstGeom prst="rect">
+            <a:avLst/>
+          </a:prstGeom>
+          <a:solidFill>
+            <a:srgbClr val="FBFAE6"/>
+          </a:solidFill>
+          <a:ln>
+            <a:solidFill>
+              <a:srgbClr val="FBFAE8"/>
+            </a:solidFill>
+          </a:ln>
+        </p:spPr>
+        <p:style>
+          <a:lnRef idx="2">
+            <a:schemeClr val="accent1">
+              <a:shade val="50000"/>
+            </a:schemeClr>
+          </a:lnRef>
+          <a:fillRef idx="1">
+            <a:schemeClr val="accent1"/>
+          </a:fillRef>
+          <a:effectRef idx="0">
+            <a:schemeClr val="accent1"/>
+          </a:effectRef>
+          <a:fontRef idx="minor">
+            <a:schemeClr val="lt1"/>
+          </a:fontRef>
+        </p:style>
+        <p:txBody>
+          <a:bodyPr rtlCol="0" anchor="ctr"/>
+          <a:lstStyle/>
+          <a:p>
+            <a:pPr algn="ctr"/>
+            <a:endParaRPr lang="zh-CN" altLang="en-US"/>
+          </a:p>
+        </p:txBody>
+      </p:sp>
+      <p:sp>
+        <p:nvSpPr>
+          <p:cNvPr id="7" name="文本框 6">
+            <a:extLst>
+              <a:ext uri="{FF2B5EF4-FFF2-40B4-BE49-F238E27FC236}">
+                <a16:creationId xmlns:a16="http://schemas.microsoft.com/office/drawing/2014/main" id="{6A817C72-6769-40C6-AE54-F73E0E9B2299}"/>
+              </a:ext>
+            </a:extLst>
+          </p:cNvPr>
+          <p:cNvSpPr txBox="1"/>
+          <p:nvPr/>
+        </p:nvSpPr>
+        <p:spPr>
+          <a:xfrm>
+            <a:off x="8943978" y="4567534"/>
+            <a:ext cx="1013133" cy="461665"/>
+          </a:xfrm>
+          <a:prstGeom prst="rect">
+            <a:avLst/>
+          </a:prstGeom>
+          <a:noFill/>
+        </p:spPr>
+        <p:txBody>
+          <a:bodyPr wrap="square" rtlCol="0">
+            <a:spAutoFit/>
+          </a:bodyPr>
+          <a:lstStyle/>
+          <a:p>
+            <a:r>
+              <a:rPr lang="en-US" altLang="zh-CN" sz="2300" b="1" dirty="0">
+                <a:solidFill>
+                  <a:schemeClr val="tx1">
+                    <a:lumMod val="65000"/>
+                    <a:lumOff val="35000"/>
+                  </a:schemeClr>
+                </a:solidFill>
+                <a:latin typeface="Times New Roman" panose="02020603050405020304" pitchFamily="18" charset="0"/>
+                <a:cs typeface="Times New Roman" panose="02020603050405020304" pitchFamily="18" charset="0"/>
+              </a:rPr>
+              <a:t>model</a:t>
+            </a:r>
+            <a:endParaRPr lang="zh-CN" altLang="en-US" sz="2300" b="1" dirty="0">
+              <a:solidFill>
+                <a:schemeClr val="tx1">
+                  <a:lumMod val="65000"/>
+                  <a:lumOff val="35000"/>
+                </a:schemeClr>
+              </a:solidFill>
+              <a:latin typeface="Times New Roman" panose="02020603050405020304" pitchFamily="18" charset="0"/>
+              <a:cs typeface="Times New Roman" panose="02020603050405020304" pitchFamily="18" charset="0"/>
+            </a:endParaRPr>
+          </a:p>
+        </p:txBody>
+      </p:sp>
+    </p:spTree>
+    <p:extLst>
+      <p:ext uri="{BB962C8B-B14F-4D97-AF65-F5344CB8AC3E}">
+        <p14:creationId xmlns:p14="http://schemas.microsoft.com/office/powerpoint/2010/main" val="2342521622"/>
+      </p:ext>
+    </p:extLst>
+  </p:cSld>
+  <p:clrMapOvr>
+    <a:masterClrMapping/>
+  </p:clrMapOvr>
+</p:sld>
+</file>
+
+<file path=ppt/slides/slide5.xml><?xml version="1.0" encoding="utf-8"?>
+<p:sld xmlns:a="http://schemas.openxmlformats.org/drawingml/2006/main" xmlns:r="http://schemas.openxmlformats.org/officeDocument/2006/relationships" xmlns:p="http://schemas.openxmlformats.org/presentationml/2006/main">
+  <p:cSld>
+    <p:spTree>
+      <p:nvGrpSpPr>
+        <p:cNvPr id="1" name=""/>
+        <p:cNvGrpSpPr/>
+        <p:nvPr/>
+      </p:nvGrpSpPr>
+      <p:grpSpPr>
+        <a:xfrm>
+          <a:off x="0" y="0"/>
+          <a:ext cx="0" cy="0"/>
+          <a:chOff x="0" y="0"/>
+          <a:chExt cx="0" cy="0"/>
+        </a:xfrm>
+      </p:grpSpPr>
+      <p:pic>
+        <p:nvPicPr>
+          <p:cNvPr id="5" name="图片 4">
+            <a:extLst>
+              <a:ext uri="{FF2B5EF4-FFF2-40B4-BE49-F238E27FC236}">
+                <a16:creationId xmlns:a16="http://schemas.microsoft.com/office/drawing/2014/main" id="{952D9253-CCF3-4B94-8F36-0E43E7BC63FE}"/>
+              </a:ext>
+            </a:extLst>
+          </p:cNvPr>
+          <p:cNvPicPr>
+            <a:picLocks noChangeAspect="1"/>
+          </p:cNvPicPr>
+          <p:nvPr/>
+        </p:nvPicPr>
+        <p:blipFill>
+          <a:blip r:embed="rId2">
+            <a:extLst>
+              <a:ext uri="{28A0092B-C50C-407E-A947-70E740481C1C}">
+                <a14:useLocalDpi xmlns:a14="http://schemas.microsoft.com/office/drawing/2010/main" val="0"/>
+              </a:ext>
+            </a:extLst>
+          </a:blip>
+          <a:stretch>
+            <a:fillRect/>
+          </a:stretch>
+        </p:blipFill>
+        <p:spPr>
+          <a:xfrm>
+            <a:off x="5368962" y="468077"/>
+            <a:ext cx="5464013" cy="3086367"/>
+          </a:xfrm>
+          <a:prstGeom prst="rect">
+            <a:avLst/>
+          </a:prstGeom>
+        </p:spPr>
+      </p:pic>
+      <p:pic>
+        <p:nvPicPr>
+          <p:cNvPr id="7" name="图片 6">
+            <a:extLst>
+              <a:ext uri="{FF2B5EF4-FFF2-40B4-BE49-F238E27FC236}">
+                <a16:creationId xmlns:a16="http://schemas.microsoft.com/office/drawing/2014/main" id="{24B330CC-5FD6-47F3-891D-260F314F659C}"/>
+              </a:ext>
+            </a:extLst>
+          </p:cNvPr>
+          <p:cNvPicPr>
+            <a:picLocks noChangeAspect="1"/>
+          </p:cNvPicPr>
+          <p:nvPr/>
+        </p:nvPicPr>
+        <p:blipFill>
+          <a:blip r:embed="rId3">
+            <a:extLst>
+              <a:ext uri="{28A0092B-C50C-407E-A947-70E740481C1C}">
+                <a14:useLocalDpi xmlns:a14="http://schemas.microsoft.com/office/drawing/2010/main" val="0"/>
+              </a:ext>
+            </a:extLst>
+          </a:blip>
+          <a:stretch>
+            <a:fillRect/>
+          </a:stretch>
+        </p:blipFill>
+        <p:spPr>
+          <a:xfrm>
+            <a:off x="1741091" y="3495721"/>
+            <a:ext cx="2027096" cy="2994920"/>
+          </a:xfrm>
+          <a:prstGeom prst="rect">
+            <a:avLst/>
+          </a:prstGeom>
+        </p:spPr>
+      </p:pic>
+      <p:pic>
+        <p:nvPicPr>
+          <p:cNvPr id="9" name="图片 8">
+            <a:extLst>
+              <a:ext uri="{FF2B5EF4-FFF2-40B4-BE49-F238E27FC236}">
+                <a16:creationId xmlns:a16="http://schemas.microsoft.com/office/drawing/2014/main" id="{1BE81690-E65B-4051-B2BE-00CF9157B633}"/>
+              </a:ext>
+            </a:extLst>
+          </p:cNvPr>
+          <p:cNvPicPr>
+            <a:picLocks noChangeAspect="1"/>
+          </p:cNvPicPr>
+          <p:nvPr/>
+        </p:nvPicPr>
+        <p:blipFill>
+          <a:blip r:embed="rId4">
+            <a:extLst>
+              <a:ext uri="{28A0092B-C50C-407E-A947-70E740481C1C}">
+                <a14:useLocalDpi xmlns:a14="http://schemas.microsoft.com/office/drawing/2010/main" val="0"/>
+              </a:ext>
+            </a:extLst>
+          </a:blip>
+          <a:stretch>
+            <a:fillRect/>
+          </a:stretch>
+        </p:blipFill>
+        <p:spPr>
+          <a:xfrm>
+            <a:off x="1741091" y="308636"/>
+            <a:ext cx="3040643" cy="2621507"/>
+          </a:xfrm>
+          <a:prstGeom prst="rect">
+            <a:avLst/>
+          </a:prstGeom>
+        </p:spPr>
+      </p:pic>
+      <p:sp>
+        <p:nvSpPr>
+          <p:cNvPr id="10" name="矩形 9">
+            <a:extLst>
+              <a:ext uri="{FF2B5EF4-FFF2-40B4-BE49-F238E27FC236}">
+                <a16:creationId xmlns:a16="http://schemas.microsoft.com/office/drawing/2014/main" id="{5D24C1CF-46E4-4AC9-A2BB-353DCC5A1DAF}"/>
+              </a:ext>
+            </a:extLst>
+          </p:cNvPr>
+          <p:cNvSpPr/>
+          <p:nvPr/>
+        </p:nvSpPr>
+        <p:spPr>
+          <a:xfrm>
+            <a:off x="10016193" y="3204594"/>
+            <a:ext cx="816782" cy="349850"/>
+          </a:xfrm>
+          <a:prstGeom prst="rect">
+            <a:avLst/>
+          </a:prstGeom>
+          <a:solidFill>
+            <a:srgbClr val="FFFCEB"/>
+          </a:solidFill>
+          <a:ln>
+            <a:noFill/>
+          </a:ln>
+        </p:spPr>
+        <p:style>
+          <a:lnRef idx="2">
+            <a:schemeClr val="accent1">
+              <a:shade val="50000"/>
+            </a:schemeClr>
+          </a:lnRef>
+          <a:fillRef idx="1">
+            <a:schemeClr val="accent1"/>
+          </a:fillRef>
+          <a:effectRef idx="0">
+            <a:schemeClr val="accent1"/>
+          </a:effectRef>
+          <a:fontRef idx="minor">
+            <a:schemeClr val="lt1"/>
+          </a:fontRef>
+        </p:style>
+        <p:txBody>
+          <a:bodyPr rtlCol="0" anchor="ctr"/>
+          <a:lstStyle/>
+          <a:p>
+            <a:pPr algn="ctr"/>
+            <a:endParaRPr lang="zh-CN" altLang="en-US" dirty="0"/>
+          </a:p>
+        </p:txBody>
+      </p:sp>
+      <p:sp>
+        <p:nvSpPr>
+          <p:cNvPr id="11" name="矩形 10">
+            <a:extLst>
+              <a:ext uri="{FF2B5EF4-FFF2-40B4-BE49-F238E27FC236}">
+                <a16:creationId xmlns:a16="http://schemas.microsoft.com/office/drawing/2014/main" id="{C8B4F985-5537-4C02-B3FA-8836BF66931D}"/>
+              </a:ext>
+            </a:extLst>
+          </p:cNvPr>
+          <p:cNvSpPr/>
+          <p:nvPr/>
+        </p:nvSpPr>
+        <p:spPr>
+          <a:xfrm>
+            <a:off x="3964952" y="2827090"/>
+            <a:ext cx="816782" cy="103053"/>
+          </a:xfrm>
+          <a:prstGeom prst="rect">
+            <a:avLst/>
+          </a:prstGeom>
+          <a:solidFill>
+            <a:srgbClr val="FFFCEB"/>
+          </a:solidFill>
+          <a:ln>
+            <a:solidFill>
+              <a:srgbClr val="FFFCEB"/>
+            </a:solidFill>
+          </a:ln>
+        </p:spPr>
+        <p:style>
+          <a:lnRef idx="2">
+            <a:schemeClr val="accent1">
+              <a:shade val="50000"/>
+            </a:schemeClr>
+          </a:lnRef>
+          <a:fillRef idx="1">
+            <a:schemeClr val="accent1"/>
+          </a:fillRef>
+          <a:effectRef idx="0">
+            <a:schemeClr val="accent1"/>
+          </a:effectRef>
+          <a:fontRef idx="minor">
+            <a:schemeClr val="lt1"/>
+          </a:fontRef>
+        </p:style>
+        <p:txBody>
+          <a:bodyPr rtlCol="0" anchor="ctr"/>
+          <a:lstStyle/>
+          <a:p>
+            <a:pPr algn="ctr"/>
+            <a:endParaRPr lang="zh-CN" altLang="en-US" dirty="0"/>
+          </a:p>
+        </p:txBody>
+      </p:sp>
+      <p:sp>
+        <p:nvSpPr>
+          <p:cNvPr id="12" name="矩形 11">
+            <a:extLst>
+              <a:ext uri="{FF2B5EF4-FFF2-40B4-BE49-F238E27FC236}">
+                <a16:creationId xmlns:a16="http://schemas.microsoft.com/office/drawing/2014/main" id="{0D9BDF90-10E1-414E-B375-DDD6C56F6F45}"/>
+              </a:ext>
+            </a:extLst>
+          </p:cNvPr>
+          <p:cNvSpPr/>
+          <p:nvPr/>
+        </p:nvSpPr>
+        <p:spPr>
+          <a:xfrm>
+            <a:off x="2951405" y="6384021"/>
+            <a:ext cx="816782" cy="106619"/>
+          </a:xfrm>
+          <a:prstGeom prst="rect">
+            <a:avLst/>
+          </a:prstGeom>
+          <a:solidFill>
+            <a:srgbClr val="FFFCEB"/>
+          </a:solidFill>
+          <a:ln>
+            <a:solidFill>
+              <a:srgbClr val="FFFCEB"/>
+            </a:solidFill>
+          </a:ln>
+        </p:spPr>
+        <p:style>
+          <a:lnRef idx="2">
+            <a:schemeClr val="accent1">
+              <a:shade val="50000"/>
+            </a:schemeClr>
+          </a:lnRef>
+          <a:fillRef idx="1">
+            <a:schemeClr val="accent1"/>
+          </a:fillRef>
+          <a:effectRef idx="0">
+            <a:schemeClr val="accent1"/>
+          </a:effectRef>
+          <a:fontRef idx="minor">
+            <a:schemeClr val="lt1"/>
+          </a:fontRef>
+        </p:style>
+        <p:txBody>
+          <a:bodyPr rtlCol="0" anchor="ctr"/>
+          <a:lstStyle/>
+          <a:p>
+            <a:pPr algn="ctr"/>
+            <a:endParaRPr lang="zh-CN" altLang="en-US" dirty="0"/>
+          </a:p>
+        </p:txBody>
+      </p:sp>
+      <p:sp>
+        <p:nvSpPr>
+          <p:cNvPr id="13" name="文本框 12">
+            <a:extLst>
+              <a:ext uri="{FF2B5EF4-FFF2-40B4-BE49-F238E27FC236}">
+                <a16:creationId xmlns:a16="http://schemas.microsoft.com/office/drawing/2014/main" id="{A0748847-9BC0-4DAE-94C2-7AAF85AB5699}"/>
+              </a:ext>
+            </a:extLst>
+          </p:cNvPr>
+          <p:cNvSpPr txBox="1"/>
+          <p:nvPr/>
+        </p:nvSpPr>
+        <p:spPr>
+          <a:xfrm>
+            <a:off x="10244352" y="3184236"/>
+            <a:ext cx="629174" cy="307777"/>
+          </a:xfrm>
+          <a:prstGeom prst="rect">
+            <a:avLst/>
+          </a:prstGeom>
+          <a:noFill/>
+        </p:spPr>
+        <p:txBody>
+          <a:bodyPr wrap="square" rtlCol="0">
+            <a:spAutoFit/>
+          </a:bodyPr>
+          <a:lstStyle/>
+          <a:p>
+            <a:r>
+              <a:rPr lang="en-US" altLang="zh-CN" sz="1400" b="1" dirty="0">
+                <a:latin typeface="Times New Roman" panose="02020603050405020304" pitchFamily="18" charset="0"/>
+                <a:cs typeface="Times New Roman" panose="02020603050405020304" pitchFamily="18" charset="0"/>
+              </a:rPr>
+              <a:t>35.0</a:t>
+            </a:r>
+            <a:endParaRPr lang="zh-CN" altLang="en-US" sz="1400" b="1" dirty="0">
+              <a:latin typeface="Times New Roman" panose="02020603050405020304" pitchFamily="18" charset="0"/>
+              <a:cs typeface="Times New Roman" panose="02020603050405020304" pitchFamily="18" charset="0"/>
+            </a:endParaRPr>
+          </a:p>
+        </p:txBody>
+      </p:sp>
+    </p:spTree>
+    <p:extLst>
+      <p:ext uri="{BB962C8B-B14F-4D97-AF65-F5344CB8AC3E}">
+        <p14:creationId xmlns:p14="http://schemas.microsoft.com/office/powerpoint/2010/main" val="3807812099"/>
+      </p:ext>
+    </p:extLst>
+  </p:cSld>
+  <p:clrMapOvr>
+    <a:masterClrMapping/>
+  </p:clrMapOvr>
+</p:sld>
+</file>
+
+<file path=ppt/slides/slide6.xml><?xml version="1.0" encoding="utf-8"?>
+<p:sld xmlns:a="http://schemas.openxmlformats.org/drawingml/2006/main" xmlns:r="http://schemas.openxmlformats.org/officeDocument/2006/relationships" xmlns:p="http://schemas.openxmlformats.org/presentationml/2006/main">
+  <p:cSld>
+    <p:spTree>
+      <p:nvGrpSpPr>
+        <p:cNvPr id="1" name=""/>
+        <p:cNvGrpSpPr/>
+        <p:nvPr/>
+      </p:nvGrpSpPr>
+      <p:grpSpPr>
+        <a:xfrm>
+          <a:off x="0" y="0"/>
+          <a:ext cx="0" cy="0"/>
+          <a:chOff x="0" y="0"/>
+          <a:chExt cx="0" cy="0"/>
+        </a:xfrm>
+      </p:grpSpPr>
+      <p:graphicFrame>
+        <p:nvGraphicFramePr>
+          <p:cNvPr id="4" name="表格 3">
+            <a:extLst>
+              <a:ext uri="{FF2B5EF4-FFF2-40B4-BE49-F238E27FC236}">
+                <a16:creationId xmlns:a16="http://schemas.microsoft.com/office/drawing/2014/main" id="{6F6A3F72-83AF-4DDD-986F-7F64CF90562B}"/>
+              </a:ext>
+            </a:extLst>
+          </p:cNvPr>
+          <p:cNvGraphicFramePr>
+            <a:graphicFrameLocks noGrp="1"/>
+          </p:cNvGraphicFramePr>
+          <p:nvPr>
+            <p:extLst>
+              <p:ext uri="{D42A27DB-BD31-4B8C-83A1-F6EECF244321}">
+                <p14:modId xmlns:p14="http://schemas.microsoft.com/office/powerpoint/2010/main" val="2442532965"/>
+              </p:ext>
+            </p:extLst>
+          </p:nvPr>
+        </p:nvGraphicFramePr>
+        <p:xfrm>
+          <a:off x="790575" y="748241"/>
+          <a:ext cx="1668463" cy="3708400"/>
+        </p:xfrm>
+        <a:graphic>
+          <a:graphicData uri="http://schemas.openxmlformats.org/drawingml/2006/table">
+            <a:tbl>
+              <a:tblPr firstRow="1" bandRow="1">
+                <a:tableStyleId>{5940675A-B579-460E-94D1-54222C63F5DA}</a:tableStyleId>
+              </a:tblPr>
+              <a:tblGrid>
+                <a:gridCol w="825501">
+                  <a:extLst>
+                    <a:ext uri="{9D8B030D-6E8A-4147-A177-3AD203B41FA5}">
+                      <a16:colId xmlns:a16="http://schemas.microsoft.com/office/drawing/2014/main" val="3449452749"/>
+                    </a:ext>
+                  </a:extLst>
+                </a:gridCol>
+                <a:gridCol w="842962">
+                  <a:extLst>
+                    <a:ext uri="{9D8B030D-6E8A-4147-A177-3AD203B41FA5}">
+                      <a16:colId xmlns:a16="http://schemas.microsoft.com/office/drawing/2014/main" val="3180698169"/>
+                    </a:ext>
+                  </a:extLst>
+                </a:gridCol>
+              </a:tblGrid>
+              <a:tr h="370840">
+                <a:tc>
+                  <a:txBody>
+                    <a:bodyPr/>
+                    <a:lstStyle/>
+                    <a:p>
+                      <a:r>
+                        <a:rPr lang="en-US" altLang="zh-CN" dirty="0">
+                          <a:ln>
+                            <a:solidFill>
+                              <a:schemeClr val="tx1"/>
+                            </a:solidFill>
+                          </a:ln>
+                          <a:solidFill>
+                            <a:schemeClr val="tx1"/>
+                          </a:solidFill>
+                        </a:rPr>
+                        <a:t>sno</a:t>
+                      </a:r>
+                      <a:endParaRPr lang="zh-CN" altLang="en-US" dirty="0">
+                        <a:ln>
+                          <a:solidFill>
+                            <a:schemeClr val="tx1"/>
+                          </a:solidFill>
+                        </a:ln>
+                        <a:solidFill>
+                          <a:schemeClr val="tx1"/>
+                        </a:solidFill>
+                      </a:endParaRPr>
+                    </a:p>
+                  </a:txBody>
+                  <a:tcPr>
+                    <a:solidFill>
+                      <a:schemeClr val="accent1">
+                        <a:lumMod val="20000"/>
+                        <a:lumOff val="80000"/>
+                      </a:schemeClr>
+                    </a:solidFill>
+                  </a:tcPr>
+                </a:tc>
+                <a:tc>
+                  <a:txBody>
+                    <a:bodyPr/>
+                    <a:lstStyle/>
+                    <a:p>
+                      <a:r>
+                        <a:rPr lang="en-US" altLang="zh-CN" sz="1800" kern="1200" dirty="0">
+                          <a:ln>
+                            <a:solidFill>
+                              <a:schemeClr val="tx1"/>
+                            </a:solidFill>
+                          </a:ln>
+                          <a:solidFill>
+                            <a:schemeClr val="tx1"/>
+                          </a:solidFill>
+                          <a:latin typeface="+mn-lt"/>
+                          <a:ea typeface="+mn-ea"/>
+                          <a:cs typeface="+mn-cs"/>
+                        </a:rPr>
+                        <a:t>pno</a:t>
+                      </a:r>
+                    </a:p>
+                  </a:txBody>
+                  <a:tcPr>
+                    <a:solidFill>
+                      <a:schemeClr val="accent2">
+                        <a:lumMod val="40000"/>
+                        <a:lumOff val="60000"/>
+                      </a:schemeClr>
+                    </a:solidFill>
+                  </a:tcPr>
+                </a:tc>
+                <a:extLst>
+                  <a:ext uri="{0D108BD9-81ED-4DB2-BD59-A6C34878D82A}">
+                    <a16:rowId xmlns:a16="http://schemas.microsoft.com/office/drawing/2014/main" val="1149736883"/>
+                  </a:ext>
+                </a:extLst>
+              </a:tr>
+              <a:tr h="370840">
+                <a:tc>
+                  <a:txBody>
+                    <a:bodyPr/>
+                    <a:lstStyle/>
+                    <a:p>
+                      <a:r>
+                        <a:rPr lang="en-US" altLang="zh-CN" b="1" dirty="0"/>
+                        <a:t>s1</a:t>
+                      </a:r>
+                      <a:endParaRPr lang="zh-CN" altLang="en-US" b="1" dirty="0"/>
+                    </a:p>
+                  </a:txBody>
+                  <a:tcPr/>
+                </a:tc>
+                <a:tc>
+                  <a:txBody>
+                    <a:bodyPr/>
+                    <a:lstStyle/>
+                    <a:p>
+                      <a:r>
+                        <a:rPr lang="en-US" altLang="zh-CN" b="1" dirty="0"/>
+                        <a:t>p1</a:t>
+                      </a:r>
+                      <a:endParaRPr lang="zh-CN" altLang="en-US" b="1" dirty="0"/>
+                    </a:p>
+                  </a:txBody>
+                  <a:tcPr/>
+                </a:tc>
+                <a:extLst>
+                  <a:ext uri="{0D108BD9-81ED-4DB2-BD59-A6C34878D82A}">
+                    <a16:rowId xmlns:a16="http://schemas.microsoft.com/office/drawing/2014/main" val="2907304032"/>
+                  </a:ext>
+                </a:extLst>
+              </a:tr>
+              <a:tr h="370840">
+                <a:tc>
+                  <a:txBody>
+                    <a:bodyPr/>
+                    <a:lstStyle/>
+                    <a:p>
+                      <a:r>
+                        <a:rPr lang="en-US" altLang="zh-CN" b="1" dirty="0"/>
+                        <a:t>s1</a:t>
+                      </a:r>
+                      <a:endParaRPr lang="zh-CN" altLang="en-US" b="1" dirty="0"/>
+                    </a:p>
+                  </a:txBody>
+                  <a:tcPr/>
+                </a:tc>
+                <a:tc>
+                  <a:txBody>
+                    <a:bodyPr/>
+                    <a:lstStyle/>
+                    <a:p>
+                      <a:r>
+                        <a:rPr lang="en-US" altLang="zh-CN" b="1" dirty="0"/>
+                        <a:t>p2</a:t>
+                      </a:r>
+                      <a:endParaRPr lang="zh-CN" altLang="en-US" b="1" dirty="0"/>
+                    </a:p>
+                  </a:txBody>
+                  <a:tcPr/>
+                </a:tc>
+                <a:extLst>
+                  <a:ext uri="{0D108BD9-81ED-4DB2-BD59-A6C34878D82A}">
+                    <a16:rowId xmlns:a16="http://schemas.microsoft.com/office/drawing/2014/main" val="3094125766"/>
+                  </a:ext>
+                </a:extLst>
+              </a:tr>
+              <a:tr h="370840">
+                <a:tc>
+                  <a:txBody>
+                    <a:bodyPr/>
+                    <a:lstStyle/>
+                    <a:p>
+                      <a:r>
+                        <a:rPr lang="en-US" altLang="zh-CN" b="1" dirty="0"/>
+                        <a:t>s1</a:t>
+                      </a:r>
+                      <a:endParaRPr lang="zh-CN" altLang="en-US" b="1" dirty="0"/>
+                    </a:p>
+                  </a:txBody>
+                  <a:tcPr/>
+                </a:tc>
+                <a:tc>
+                  <a:txBody>
+                    <a:bodyPr/>
+                    <a:lstStyle/>
+                    <a:p>
+                      <a:r>
+                        <a:rPr lang="en-US" altLang="zh-CN" b="1" dirty="0"/>
+                        <a:t>p3</a:t>
+                      </a:r>
+                      <a:endParaRPr lang="zh-CN" altLang="en-US" b="1" dirty="0"/>
+                    </a:p>
+                  </a:txBody>
+                  <a:tcPr/>
+                </a:tc>
+                <a:extLst>
+                  <a:ext uri="{0D108BD9-81ED-4DB2-BD59-A6C34878D82A}">
+                    <a16:rowId xmlns:a16="http://schemas.microsoft.com/office/drawing/2014/main" val="3806410822"/>
+                  </a:ext>
+                </a:extLst>
+              </a:tr>
+              <a:tr h="370840">
+                <a:tc>
+                  <a:txBody>
+                    <a:bodyPr/>
+                    <a:lstStyle/>
+                    <a:p>
+                      <a:r>
+                        <a:rPr lang="en-US" altLang="zh-CN" b="1" dirty="0"/>
+                        <a:t>s1</a:t>
+                      </a:r>
+                      <a:endParaRPr lang="zh-CN" altLang="en-US" b="1" dirty="0"/>
+                    </a:p>
+                  </a:txBody>
+                  <a:tcPr/>
+                </a:tc>
+                <a:tc>
+                  <a:txBody>
+                    <a:bodyPr/>
+                    <a:lstStyle/>
+                    <a:p>
+                      <a:r>
+                        <a:rPr lang="en-US" altLang="zh-CN" b="1" dirty="0"/>
+                        <a:t>p4</a:t>
+                      </a:r>
+                      <a:endParaRPr lang="zh-CN" altLang="en-US" b="1" dirty="0"/>
+                    </a:p>
+                  </a:txBody>
+                  <a:tcPr/>
+                </a:tc>
+                <a:extLst>
+                  <a:ext uri="{0D108BD9-81ED-4DB2-BD59-A6C34878D82A}">
+                    <a16:rowId xmlns:a16="http://schemas.microsoft.com/office/drawing/2014/main" val="1314046740"/>
+                  </a:ext>
+                </a:extLst>
+              </a:tr>
+              <a:tr h="370840">
+                <a:tc>
+                  <a:txBody>
+                    <a:bodyPr/>
+                    <a:lstStyle/>
+                    <a:p>
+                      <a:r>
+                        <a:rPr lang="en-US" altLang="zh-CN" b="1" dirty="0"/>
+                        <a:t>s2</a:t>
+                      </a:r>
+                      <a:endParaRPr lang="zh-CN" altLang="en-US" b="1" dirty="0"/>
+                    </a:p>
+                  </a:txBody>
+                  <a:tcPr/>
+                </a:tc>
+                <a:tc>
+                  <a:txBody>
+                    <a:bodyPr/>
+                    <a:lstStyle/>
+                    <a:p>
+                      <a:r>
+                        <a:rPr lang="en-US" altLang="zh-CN" b="1" dirty="0"/>
+                        <a:t>p1</a:t>
+                      </a:r>
+                      <a:endParaRPr lang="zh-CN" altLang="en-US" b="1" dirty="0"/>
+                    </a:p>
+                  </a:txBody>
+                  <a:tcPr/>
+                </a:tc>
+                <a:extLst>
+                  <a:ext uri="{0D108BD9-81ED-4DB2-BD59-A6C34878D82A}">
+                    <a16:rowId xmlns:a16="http://schemas.microsoft.com/office/drawing/2014/main" val="627557203"/>
+                  </a:ext>
+                </a:extLst>
+              </a:tr>
+              <a:tr h="370840">
+                <a:tc>
+                  <a:txBody>
+                    <a:bodyPr/>
+                    <a:lstStyle/>
+                    <a:p>
+                      <a:r>
+                        <a:rPr lang="en-US" altLang="zh-CN" b="1" dirty="0"/>
+                        <a:t>s2</a:t>
+                      </a:r>
+                      <a:endParaRPr lang="zh-CN" altLang="en-US" b="1" dirty="0"/>
+                    </a:p>
+                  </a:txBody>
+                  <a:tcPr/>
+                </a:tc>
+                <a:tc>
+                  <a:txBody>
+                    <a:bodyPr/>
+                    <a:lstStyle/>
+                    <a:p>
+                      <a:r>
+                        <a:rPr lang="en-US" altLang="zh-CN" b="1" dirty="0"/>
+                        <a:t>p2</a:t>
+                      </a:r>
+                      <a:endParaRPr lang="zh-CN" altLang="en-US" b="1" dirty="0"/>
+                    </a:p>
+                  </a:txBody>
+                  <a:tcPr/>
+                </a:tc>
+                <a:extLst>
+                  <a:ext uri="{0D108BD9-81ED-4DB2-BD59-A6C34878D82A}">
+                    <a16:rowId xmlns:a16="http://schemas.microsoft.com/office/drawing/2014/main" val="2211032922"/>
+                  </a:ext>
+                </a:extLst>
+              </a:tr>
+              <a:tr h="370840">
+                <a:tc>
+                  <a:txBody>
+                    <a:bodyPr/>
+                    <a:lstStyle/>
+                    <a:p>
+                      <a:r>
+                        <a:rPr lang="en-US" altLang="zh-CN" b="1" dirty="0"/>
+                        <a:t>s3</a:t>
+                      </a:r>
+                      <a:endParaRPr lang="zh-CN" altLang="en-US" b="1" dirty="0"/>
+                    </a:p>
+                  </a:txBody>
+                  <a:tcPr/>
+                </a:tc>
+                <a:tc>
+                  <a:txBody>
+                    <a:bodyPr/>
+                    <a:lstStyle/>
+                    <a:p>
+                      <a:r>
+                        <a:rPr lang="en-US" altLang="zh-CN" b="1" dirty="0"/>
+                        <a:t>p2</a:t>
+                      </a:r>
+                      <a:endParaRPr lang="zh-CN" altLang="en-US" b="1" dirty="0"/>
+                    </a:p>
+                  </a:txBody>
+                  <a:tcPr/>
+                </a:tc>
+                <a:extLst>
+                  <a:ext uri="{0D108BD9-81ED-4DB2-BD59-A6C34878D82A}">
+                    <a16:rowId xmlns:a16="http://schemas.microsoft.com/office/drawing/2014/main" val="2166977037"/>
+                  </a:ext>
+                </a:extLst>
+              </a:tr>
+              <a:tr h="370840">
+                <a:tc>
+                  <a:txBody>
+                    <a:bodyPr/>
+                    <a:lstStyle/>
+                    <a:p>
+                      <a:r>
+                        <a:rPr lang="en-US" altLang="zh-CN" b="1" dirty="0"/>
+                        <a:t>s4</a:t>
+                      </a:r>
+                    </a:p>
+                  </a:txBody>
+                  <a:tcPr/>
+                </a:tc>
+                <a:tc>
+                  <a:txBody>
+                    <a:bodyPr/>
+                    <a:lstStyle/>
+                    <a:p>
+                      <a:r>
+                        <a:rPr lang="en-US" altLang="zh-CN" b="1" dirty="0"/>
+                        <a:t>p2</a:t>
+                      </a:r>
+                    </a:p>
+                  </a:txBody>
+                  <a:tcPr/>
+                </a:tc>
+                <a:extLst>
+                  <a:ext uri="{0D108BD9-81ED-4DB2-BD59-A6C34878D82A}">
+                    <a16:rowId xmlns:a16="http://schemas.microsoft.com/office/drawing/2014/main" val="2865125942"/>
+                  </a:ext>
+                </a:extLst>
+              </a:tr>
+              <a:tr h="370840">
+                <a:tc>
+                  <a:txBody>
+                    <a:bodyPr/>
+                    <a:lstStyle/>
+                    <a:p>
+                      <a:r>
+                        <a:rPr lang="en-US" altLang="zh-CN" b="1" dirty="0"/>
+                        <a:t>s4</a:t>
+                      </a:r>
+                    </a:p>
+                  </a:txBody>
+                  <a:tcPr/>
+                </a:tc>
+                <a:tc>
+                  <a:txBody>
+                    <a:bodyPr/>
+                    <a:lstStyle/>
+                    <a:p>
+                      <a:r>
+                        <a:rPr lang="en-US" altLang="zh-CN" b="1" dirty="0"/>
+                        <a:t>p4</a:t>
+                      </a:r>
+                    </a:p>
+                  </a:txBody>
+                  <a:tcPr/>
+                </a:tc>
+                <a:extLst>
+                  <a:ext uri="{0D108BD9-81ED-4DB2-BD59-A6C34878D82A}">
+                    <a16:rowId xmlns:a16="http://schemas.microsoft.com/office/drawing/2014/main" val="1902263895"/>
+                  </a:ext>
+                </a:extLst>
+              </a:tr>
+            </a:tbl>
+          </a:graphicData>
+        </a:graphic>
+      </p:graphicFrame>
+      <p:graphicFrame>
+        <p:nvGraphicFramePr>
+          <p:cNvPr id="5" name="表格 4">
+            <a:extLst>
+              <a:ext uri="{FF2B5EF4-FFF2-40B4-BE49-F238E27FC236}">
+                <a16:creationId xmlns:a16="http://schemas.microsoft.com/office/drawing/2014/main" id="{F7D71CB2-6110-45DD-8333-02F8EF86CDA9}"/>
+              </a:ext>
+            </a:extLst>
+          </p:cNvPr>
+          <p:cNvGraphicFramePr>
+            <a:graphicFrameLocks noGrp="1"/>
+          </p:cNvGraphicFramePr>
+          <p:nvPr>
+            <p:extLst>
+              <p:ext uri="{D42A27DB-BD31-4B8C-83A1-F6EECF244321}">
+                <p14:modId xmlns:p14="http://schemas.microsoft.com/office/powerpoint/2010/main" val="3386185143"/>
+              </p:ext>
+            </p:extLst>
+          </p:nvPr>
+        </p:nvGraphicFramePr>
+        <p:xfrm>
+          <a:off x="3003550" y="748241"/>
+          <a:ext cx="1039813" cy="741680"/>
+        </p:xfrm>
+        <a:graphic>
+          <a:graphicData uri="http://schemas.openxmlformats.org/drawingml/2006/table">
+            <a:tbl>
+              <a:tblPr firstRow="1" bandRow="1">
+                <a:tableStyleId>{7E9639D4-E3E2-4D34-9284-5A2195B3D0D7}</a:tableStyleId>
+              </a:tblPr>
+              <a:tblGrid>
+                <a:gridCol w="1039813">
+                  <a:extLst>
+                    <a:ext uri="{9D8B030D-6E8A-4147-A177-3AD203B41FA5}">
+                      <a16:colId xmlns:a16="http://schemas.microsoft.com/office/drawing/2014/main" val="97387923"/>
+                    </a:ext>
+                  </a:extLst>
+                </a:gridCol>
+              </a:tblGrid>
+              <a:tr h="370840">
+                <a:tc>
+                  <a:txBody>
+                    <a:bodyPr/>
+                    <a:lstStyle/>
+                    <a:p>
+                      <a:r>
+                        <a:rPr lang="en-US" altLang="zh-CN" dirty="0">
+                          <a:solidFill>
+                            <a:schemeClr val="tx1"/>
+                          </a:solidFill>
+                        </a:rPr>
+                        <a:t>pno</a:t>
+                      </a:r>
+                      <a:endParaRPr lang="zh-CN" altLang="en-US" dirty="0">
+                        <a:solidFill>
+                          <a:schemeClr val="tx1"/>
+                        </a:solidFill>
+                      </a:endParaRPr>
+                    </a:p>
+                  </a:txBody>
+                  <a:tcPr>
+                    <a:solidFill>
+                      <a:schemeClr val="accent2">
+                        <a:lumMod val="40000"/>
+                        <a:lumOff val="60000"/>
+                      </a:schemeClr>
+                    </a:solidFill>
+                  </a:tcPr>
+                </a:tc>
+                <a:extLst>
+                  <a:ext uri="{0D108BD9-81ED-4DB2-BD59-A6C34878D82A}">
+                    <a16:rowId xmlns:a16="http://schemas.microsoft.com/office/drawing/2014/main" val="422147485"/>
+                  </a:ext>
+                </a:extLst>
+              </a:tr>
+              <a:tr h="370840">
+                <a:tc>
+                  <a:txBody>
+                    <a:bodyPr/>
+                    <a:lstStyle/>
+                    <a:p>
+                      <a:r>
+                        <a:rPr lang="en-US" altLang="zh-CN" b="1" dirty="0"/>
+                        <a:t>p2</a:t>
+                      </a:r>
+                      <a:endParaRPr lang="zh-CN" altLang="en-US" b="1" dirty="0"/>
+                    </a:p>
+                  </a:txBody>
+                  <a:tcPr/>
+                </a:tc>
+                <a:extLst>
+                  <a:ext uri="{0D108BD9-81ED-4DB2-BD59-A6C34878D82A}">
+                    <a16:rowId xmlns:a16="http://schemas.microsoft.com/office/drawing/2014/main" val="895982707"/>
+                  </a:ext>
+                </a:extLst>
+              </a:tr>
+            </a:tbl>
+          </a:graphicData>
+        </a:graphic>
+      </p:graphicFrame>
+      <p:graphicFrame>
+        <p:nvGraphicFramePr>
+          <p:cNvPr id="6" name="表格 5">
+            <a:extLst>
+              <a:ext uri="{FF2B5EF4-FFF2-40B4-BE49-F238E27FC236}">
+                <a16:creationId xmlns:a16="http://schemas.microsoft.com/office/drawing/2014/main" id="{41925994-9276-4D9D-81F7-3D7BD38DD4B2}"/>
+              </a:ext>
+            </a:extLst>
+          </p:cNvPr>
+          <p:cNvGraphicFramePr>
+            <a:graphicFrameLocks noGrp="1"/>
+          </p:cNvGraphicFramePr>
+          <p:nvPr>
+            <p:extLst>
+              <p:ext uri="{D42A27DB-BD31-4B8C-83A1-F6EECF244321}">
+                <p14:modId xmlns:p14="http://schemas.microsoft.com/office/powerpoint/2010/main" val="123214288"/>
+              </p:ext>
+            </p:extLst>
+          </p:nvPr>
+        </p:nvGraphicFramePr>
+        <p:xfrm>
+          <a:off x="4570413" y="748241"/>
+          <a:ext cx="1039813" cy="1112520"/>
+        </p:xfrm>
+        <a:graphic>
+          <a:graphicData uri="http://schemas.openxmlformats.org/drawingml/2006/table">
+            <a:tbl>
+              <a:tblPr firstRow="1" bandRow="1">
+                <a:tableStyleId>{7E9639D4-E3E2-4D34-9284-5A2195B3D0D7}</a:tableStyleId>
+              </a:tblPr>
+              <a:tblGrid>
+                <a:gridCol w="1039813">
+                  <a:extLst>
+                    <a:ext uri="{9D8B030D-6E8A-4147-A177-3AD203B41FA5}">
+                      <a16:colId xmlns:a16="http://schemas.microsoft.com/office/drawing/2014/main" val="97387923"/>
+                    </a:ext>
+                  </a:extLst>
+                </a:gridCol>
+              </a:tblGrid>
+              <a:tr h="370840">
+                <a:tc>
+                  <a:txBody>
+                    <a:bodyPr/>
+                    <a:lstStyle/>
+                    <a:p>
+                      <a:r>
+                        <a:rPr lang="en-US" altLang="zh-CN" dirty="0">
+                          <a:solidFill>
+                            <a:schemeClr val="tx1"/>
+                          </a:solidFill>
+                        </a:rPr>
+                        <a:t>pno</a:t>
+                      </a:r>
+                      <a:endParaRPr lang="zh-CN" altLang="en-US" dirty="0">
+                        <a:solidFill>
+                          <a:schemeClr val="tx1"/>
+                        </a:solidFill>
+                      </a:endParaRPr>
+                    </a:p>
+                  </a:txBody>
+                  <a:tcPr>
+                    <a:solidFill>
+                      <a:schemeClr val="accent2">
+                        <a:lumMod val="40000"/>
+                        <a:lumOff val="60000"/>
+                      </a:schemeClr>
+                    </a:solidFill>
+                  </a:tcPr>
+                </a:tc>
+                <a:extLst>
+                  <a:ext uri="{0D108BD9-81ED-4DB2-BD59-A6C34878D82A}">
+                    <a16:rowId xmlns:a16="http://schemas.microsoft.com/office/drawing/2014/main" val="422147485"/>
+                  </a:ext>
+                </a:extLst>
+              </a:tr>
+              <a:tr h="370840">
+                <a:tc>
+                  <a:txBody>
+                    <a:bodyPr/>
+                    <a:lstStyle/>
+                    <a:p>
+                      <a:r>
+                        <a:rPr lang="en-US" altLang="zh-CN" b="1" dirty="0"/>
+                        <a:t>P2</a:t>
+                      </a:r>
+                      <a:endParaRPr lang="zh-CN" altLang="en-US" b="1" dirty="0"/>
+                    </a:p>
+                  </a:txBody>
+                  <a:tcPr/>
+                </a:tc>
+                <a:extLst>
+                  <a:ext uri="{0D108BD9-81ED-4DB2-BD59-A6C34878D82A}">
+                    <a16:rowId xmlns:a16="http://schemas.microsoft.com/office/drawing/2014/main" val="895982707"/>
+                  </a:ext>
+                </a:extLst>
+              </a:tr>
+              <a:tr h="370840">
+                <a:tc>
+                  <a:txBody>
+                    <a:bodyPr/>
+                    <a:lstStyle/>
+                    <a:p>
+                      <a:r>
+                        <a:rPr lang="en-US" altLang="zh-CN" b="1" dirty="0"/>
+                        <a:t>p4</a:t>
+                      </a:r>
+                      <a:endParaRPr lang="zh-CN" altLang="en-US" b="1" dirty="0"/>
+                    </a:p>
+                  </a:txBody>
+                  <a:tcPr/>
+                </a:tc>
+                <a:extLst>
+                  <a:ext uri="{0D108BD9-81ED-4DB2-BD59-A6C34878D82A}">
+                    <a16:rowId xmlns:a16="http://schemas.microsoft.com/office/drawing/2014/main" val="3223073991"/>
+                  </a:ext>
+                </a:extLst>
+              </a:tr>
+            </a:tbl>
+          </a:graphicData>
+        </a:graphic>
+      </p:graphicFrame>
+      <p:graphicFrame>
+        <p:nvGraphicFramePr>
+          <p:cNvPr id="7" name="表格 6">
+            <a:extLst>
+              <a:ext uri="{FF2B5EF4-FFF2-40B4-BE49-F238E27FC236}">
+                <a16:creationId xmlns:a16="http://schemas.microsoft.com/office/drawing/2014/main" id="{95F7B08B-E413-4C80-BD6D-3895A5AC0590}"/>
+              </a:ext>
+            </a:extLst>
+          </p:cNvPr>
+          <p:cNvGraphicFramePr>
+            <a:graphicFrameLocks noGrp="1"/>
+          </p:cNvGraphicFramePr>
+          <p:nvPr>
+            <p:extLst>
+              <p:ext uri="{D42A27DB-BD31-4B8C-83A1-F6EECF244321}">
+                <p14:modId xmlns:p14="http://schemas.microsoft.com/office/powerpoint/2010/main" val="4230954261"/>
+              </p:ext>
+            </p:extLst>
+          </p:nvPr>
+        </p:nvGraphicFramePr>
+        <p:xfrm>
+          <a:off x="6137276" y="748241"/>
+          <a:ext cx="1039813" cy="1483360"/>
+        </p:xfrm>
+        <a:graphic>
+          <a:graphicData uri="http://schemas.openxmlformats.org/drawingml/2006/table">
+            <a:tbl>
+              <a:tblPr firstRow="1" bandRow="1">
+                <a:tableStyleId>{7E9639D4-E3E2-4D34-9284-5A2195B3D0D7}</a:tableStyleId>
+              </a:tblPr>
+              <a:tblGrid>
+                <a:gridCol w="1039813">
+                  <a:extLst>
+                    <a:ext uri="{9D8B030D-6E8A-4147-A177-3AD203B41FA5}">
+                      <a16:colId xmlns:a16="http://schemas.microsoft.com/office/drawing/2014/main" val="97387923"/>
+                    </a:ext>
+                  </a:extLst>
+                </a:gridCol>
+              </a:tblGrid>
+              <a:tr h="370840">
+                <a:tc>
+                  <a:txBody>
+                    <a:bodyPr/>
+                    <a:lstStyle/>
+                    <a:p>
+                      <a:r>
+                        <a:rPr lang="en-US" altLang="zh-CN" dirty="0">
+                          <a:solidFill>
+                            <a:schemeClr val="tx1"/>
+                          </a:solidFill>
+                        </a:rPr>
+                        <a:t>pno</a:t>
+                      </a:r>
+                      <a:endParaRPr lang="zh-CN" altLang="en-US" dirty="0">
+                        <a:solidFill>
+                          <a:schemeClr val="tx1"/>
+                        </a:solidFill>
+                      </a:endParaRPr>
+                    </a:p>
+                  </a:txBody>
+                  <a:tcPr>
+                    <a:solidFill>
+                      <a:schemeClr val="accent2">
+                        <a:lumMod val="40000"/>
+                        <a:lumOff val="60000"/>
+                      </a:schemeClr>
+                    </a:solidFill>
+                  </a:tcPr>
+                </a:tc>
+                <a:extLst>
+                  <a:ext uri="{0D108BD9-81ED-4DB2-BD59-A6C34878D82A}">
+                    <a16:rowId xmlns:a16="http://schemas.microsoft.com/office/drawing/2014/main" val="422147485"/>
+                  </a:ext>
+                </a:extLst>
+              </a:tr>
+              <a:tr h="370840">
+                <a:tc>
+                  <a:txBody>
+                    <a:bodyPr/>
+                    <a:lstStyle/>
+                    <a:p>
+                      <a:r>
+                        <a:rPr lang="en-US" altLang="zh-CN" b="1" dirty="0"/>
+                        <a:t>p1</a:t>
+                      </a:r>
+                      <a:endParaRPr lang="zh-CN" altLang="en-US" b="1" dirty="0"/>
+                    </a:p>
+                  </a:txBody>
+                  <a:tcPr/>
+                </a:tc>
+                <a:extLst>
+                  <a:ext uri="{0D108BD9-81ED-4DB2-BD59-A6C34878D82A}">
+                    <a16:rowId xmlns:a16="http://schemas.microsoft.com/office/drawing/2014/main" val="895982707"/>
+                  </a:ext>
+                </a:extLst>
+              </a:tr>
+              <a:tr h="370840">
+                <a:tc>
+                  <a:txBody>
+                    <a:bodyPr/>
+                    <a:lstStyle/>
+                    <a:p>
+                      <a:r>
+                        <a:rPr lang="en-US" altLang="zh-CN" b="1" dirty="0"/>
+                        <a:t>p2</a:t>
+                      </a:r>
+                      <a:endParaRPr lang="zh-CN" altLang="en-US" b="1" dirty="0"/>
+                    </a:p>
+                  </a:txBody>
+                  <a:tcPr/>
+                </a:tc>
+                <a:extLst>
+                  <a:ext uri="{0D108BD9-81ED-4DB2-BD59-A6C34878D82A}">
+                    <a16:rowId xmlns:a16="http://schemas.microsoft.com/office/drawing/2014/main" val="3420830194"/>
+                  </a:ext>
+                </a:extLst>
+              </a:tr>
+              <a:tr h="370840">
+                <a:tc>
+                  <a:txBody>
+                    <a:bodyPr/>
+                    <a:lstStyle/>
+                    <a:p>
+                      <a:r>
+                        <a:rPr lang="en-US" altLang="zh-CN" b="1" dirty="0"/>
+                        <a:t>p4</a:t>
+                      </a:r>
+                      <a:endParaRPr lang="zh-CN" altLang="en-US" b="1" dirty="0"/>
+                    </a:p>
+                  </a:txBody>
+                  <a:tcPr/>
+                </a:tc>
+                <a:extLst>
+                  <a:ext uri="{0D108BD9-81ED-4DB2-BD59-A6C34878D82A}">
+                    <a16:rowId xmlns:a16="http://schemas.microsoft.com/office/drawing/2014/main" val="2243253561"/>
+                  </a:ext>
+                </a:extLst>
+              </a:tr>
+            </a:tbl>
+          </a:graphicData>
+        </a:graphic>
+      </p:graphicFrame>
+      <p:graphicFrame>
+        <p:nvGraphicFramePr>
+          <p:cNvPr id="8" name="表格 7">
+            <a:extLst>
+              <a:ext uri="{FF2B5EF4-FFF2-40B4-BE49-F238E27FC236}">
+                <a16:creationId xmlns:a16="http://schemas.microsoft.com/office/drawing/2014/main" id="{58CC1C8C-21C4-4227-89CE-2E80D8B91972}"/>
+              </a:ext>
+            </a:extLst>
+          </p:cNvPr>
+          <p:cNvGraphicFramePr>
+            <a:graphicFrameLocks noGrp="1"/>
+          </p:cNvGraphicFramePr>
+          <p:nvPr>
+            <p:extLst>
+              <p:ext uri="{D42A27DB-BD31-4B8C-83A1-F6EECF244321}">
+                <p14:modId xmlns:p14="http://schemas.microsoft.com/office/powerpoint/2010/main" val="3603060414"/>
+              </p:ext>
+            </p:extLst>
+          </p:nvPr>
+        </p:nvGraphicFramePr>
+        <p:xfrm>
+          <a:off x="3003550" y="2815855"/>
+          <a:ext cx="1039813" cy="1854200"/>
+        </p:xfrm>
+        <a:graphic>
+          <a:graphicData uri="http://schemas.openxmlformats.org/drawingml/2006/table">
+            <a:tbl>
+              <a:tblPr firstRow="1" bandRow="1">
+                <a:tableStyleId>{7E9639D4-E3E2-4D34-9284-5A2195B3D0D7}</a:tableStyleId>
+              </a:tblPr>
+              <a:tblGrid>
+                <a:gridCol w="1039813">
+                  <a:extLst>
+                    <a:ext uri="{9D8B030D-6E8A-4147-A177-3AD203B41FA5}">
+                      <a16:colId xmlns:a16="http://schemas.microsoft.com/office/drawing/2014/main" val="97387923"/>
+                    </a:ext>
+                  </a:extLst>
+                </a:gridCol>
+              </a:tblGrid>
+              <a:tr h="370840">
+                <a:tc>
+                  <a:txBody>
+                    <a:bodyPr/>
+                    <a:lstStyle/>
+                    <a:p>
+                      <a:r>
+                        <a:rPr lang="en-US" altLang="zh-CN" dirty="0">
+                          <a:solidFill>
+                            <a:schemeClr val="tx1"/>
+                          </a:solidFill>
+                        </a:rPr>
+                        <a:t>sno</a:t>
+                      </a:r>
+                      <a:endParaRPr lang="zh-CN" altLang="en-US" dirty="0">
+                        <a:solidFill>
+                          <a:schemeClr val="tx1"/>
+                        </a:solidFill>
+                      </a:endParaRPr>
+                    </a:p>
+                  </a:txBody>
+                  <a:tcPr>
+                    <a:solidFill>
+                      <a:schemeClr val="accent1">
+                        <a:lumMod val="20000"/>
+                        <a:lumOff val="80000"/>
+                      </a:schemeClr>
+                    </a:solidFill>
+                  </a:tcPr>
+                </a:tc>
+                <a:extLst>
+                  <a:ext uri="{0D108BD9-81ED-4DB2-BD59-A6C34878D82A}">
+                    <a16:rowId xmlns:a16="http://schemas.microsoft.com/office/drawing/2014/main" val="422147485"/>
+                  </a:ext>
+                </a:extLst>
+              </a:tr>
+              <a:tr h="370840">
+                <a:tc>
+                  <a:txBody>
+                    <a:bodyPr/>
+                    <a:lstStyle/>
+                    <a:p>
+                      <a:r>
+                        <a:rPr lang="en-US" altLang="zh-CN" b="1" dirty="0"/>
+                        <a:t>s1</a:t>
+                      </a:r>
+                      <a:endParaRPr lang="zh-CN" altLang="en-US" b="1" dirty="0"/>
+                    </a:p>
+                  </a:txBody>
+                  <a:tcPr/>
+                </a:tc>
+                <a:extLst>
+                  <a:ext uri="{0D108BD9-81ED-4DB2-BD59-A6C34878D82A}">
+                    <a16:rowId xmlns:a16="http://schemas.microsoft.com/office/drawing/2014/main" val="895982707"/>
+                  </a:ext>
+                </a:extLst>
+              </a:tr>
+              <a:tr h="370840">
+                <a:tc>
+                  <a:txBody>
+                    <a:bodyPr/>
+                    <a:lstStyle/>
+                    <a:p>
+                      <a:r>
+                        <a:rPr lang="en-US" altLang="zh-CN" b="1" dirty="0"/>
+                        <a:t>s2</a:t>
+                      </a:r>
+                      <a:endParaRPr lang="zh-CN" altLang="en-US" b="1" dirty="0"/>
+                    </a:p>
+                  </a:txBody>
+                  <a:tcPr/>
+                </a:tc>
+                <a:extLst>
+                  <a:ext uri="{0D108BD9-81ED-4DB2-BD59-A6C34878D82A}">
+                    <a16:rowId xmlns:a16="http://schemas.microsoft.com/office/drawing/2014/main" val="3420830194"/>
+                  </a:ext>
+                </a:extLst>
+              </a:tr>
+              <a:tr h="370840">
+                <a:tc>
+                  <a:txBody>
+                    <a:bodyPr/>
+                    <a:lstStyle/>
+                    <a:p>
+                      <a:r>
+                        <a:rPr lang="en-US" altLang="zh-CN" b="1" dirty="0"/>
+                        <a:t>s3</a:t>
+                      </a:r>
+                      <a:endParaRPr lang="zh-CN" altLang="en-US" b="1" dirty="0"/>
+                    </a:p>
+                  </a:txBody>
+                  <a:tcPr/>
+                </a:tc>
+                <a:extLst>
+                  <a:ext uri="{0D108BD9-81ED-4DB2-BD59-A6C34878D82A}">
+                    <a16:rowId xmlns:a16="http://schemas.microsoft.com/office/drawing/2014/main" val="2243253561"/>
+                  </a:ext>
+                </a:extLst>
+              </a:tr>
+              <a:tr h="370840">
+                <a:tc>
+                  <a:txBody>
+                    <a:bodyPr/>
+                    <a:lstStyle/>
+                    <a:p>
+                      <a:r>
+                        <a:rPr lang="en-US" altLang="zh-CN" b="1" dirty="0"/>
+                        <a:t>s4</a:t>
+                      </a:r>
+                      <a:endParaRPr lang="zh-CN" altLang="en-US" b="1" dirty="0"/>
+                    </a:p>
+                  </a:txBody>
+                  <a:tcPr/>
+                </a:tc>
+                <a:extLst>
+                  <a:ext uri="{0D108BD9-81ED-4DB2-BD59-A6C34878D82A}">
+                    <a16:rowId xmlns:a16="http://schemas.microsoft.com/office/drawing/2014/main" val="2780368966"/>
+                  </a:ext>
+                </a:extLst>
+              </a:tr>
+            </a:tbl>
+          </a:graphicData>
+        </a:graphic>
+      </p:graphicFrame>
+      <p:graphicFrame>
+        <p:nvGraphicFramePr>
+          <p:cNvPr id="9" name="表格 8">
+            <a:extLst>
+              <a:ext uri="{FF2B5EF4-FFF2-40B4-BE49-F238E27FC236}">
+                <a16:creationId xmlns:a16="http://schemas.microsoft.com/office/drawing/2014/main" id="{5A7AF845-9F95-49F2-A2AC-BE696A0FBADA}"/>
+              </a:ext>
+            </a:extLst>
+          </p:cNvPr>
+          <p:cNvGraphicFramePr>
+            <a:graphicFrameLocks noGrp="1"/>
+          </p:cNvGraphicFramePr>
+          <p:nvPr>
+            <p:extLst>
+              <p:ext uri="{D42A27DB-BD31-4B8C-83A1-F6EECF244321}">
+                <p14:modId xmlns:p14="http://schemas.microsoft.com/office/powerpoint/2010/main" val="252010639"/>
+              </p:ext>
+            </p:extLst>
+          </p:nvPr>
+        </p:nvGraphicFramePr>
+        <p:xfrm>
+          <a:off x="4587875" y="2815855"/>
+          <a:ext cx="1039813" cy="1112520"/>
+        </p:xfrm>
+        <a:graphic>
+          <a:graphicData uri="http://schemas.openxmlformats.org/drawingml/2006/table">
+            <a:tbl>
+              <a:tblPr firstRow="1" bandRow="1">
+                <a:tableStyleId>{7E9639D4-E3E2-4D34-9284-5A2195B3D0D7}</a:tableStyleId>
+              </a:tblPr>
+              <a:tblGrid>
+                <a:gridCol w="1039813">
+                  <a:extLst>
+                    <a:ext uri="{9D8B030D-6E8A-4147-A177-3AD203B41FA5}">
+                      <a16:colId xmlns:a16="http://schemas.microsoft.com/office/drawing/2014/main" val="97387923"/>
+                    </a:ext>
+                  </a:extLst>
+                </a:gridCol>
+              </a:tblGrid>
+              <a:tr h="370840">
+                <a:tc>
+                  <a:txBody>
+                    <a:bodyPr/>
+                    <a:lstStyle/>
+                    <a:p>
+                      <a:r>
+                        <a:rPr lang="en-US" altLang="zh-CN" dirty="0">
+                          <a:solidFill>
+                            <a:schemeClr val="tx1"/>
+                          </a:solidFill>
+                        </a:rPr>
+                        <a:t>sno</a:t>
+                      </a:r>
+                      <a:endParaRPr lang="zh-CN" altLang="en-US" dirty="0">
+                        <a:solidFill>
+                          <a:schemeClr val="tx1"/>
+                        </a:solidFill>
+                      </a:endParaRPr>
+                    </a:p>
+                  </a:txBody>
+                  <a:tcPr>
+                    <a:solidFill>
+                      <a:schemeClr val="accent1">
+                        <a:lumMod val="20000"/>
+                        <a:lumOff val="80000"/>
+                      </a:schemeClr>
+                    </a:solidFill>
+                  </a:tcPr>
+                </a:tc>
+                <a:extLst>
+                  <a:ext uri="{0D108BD9-81ED-4DB2-BD59-A6C34878D82A}">
+                    <a16:rowId xmlns:a16="http://schemas.microsoft.com/office/drawing/2014/main" val="422147485"/>
+                  </a:ext>
+                </a:extLst>
+              </a:tr>
+              <a:tr h="370840">
+                <a:tc>
+                  <a:txBody>
+                    <a:bodyPr/>
+                    <a:lstStyle/>
+                    <a:p>
+                      <a:r>
+                        <a:rPr lang="en-US" altLang="zh-CN" b="1" dirty="0"/>
+                        <a:t>s1</a:t>
+                      </a:r>
+                      <a:endParaRPr lang="zh-CN" altLang="en-US" b="1" dirty="0"/>
+                    </a:p>
+                  </a:txBody>
+                  <a:tcPr/>
+                </a:tc>
+                <a:extLst>
+                  <a:ext uri="{0D108BD9-81ED-4DB2-BD59-A6C34878D82A}">
+                    <a16:rowId xmlns:a16="http://schemas.microsoft.com/office/drawing/2014/main" val="895982707"/>
+                  </a:ext>
+                </a:extLst>
+              </a:tr>
+              <a:tr h="370840">
+                <a:tc>
+                  <a:txBody>
+                    <a:bodyPr/>
+                    <a:lstStyle/>
+                    <a:p>
+                      <a:r>
+                        <a:rPr lang="en-US" altLang="zh-CN" b="1" dirty="0"/>
+                        <a:t>s4</a:t>
+                      </a:r>
+                      <a:endParaRPr lang="zh-CN" altLang="en-US" b="1" dirty="0"/>
+                    </a:p>
+                  </a:txBody>
+                  <a:tcPr/>
+                </a:tc>
+                <a:extLst>
+                  <a:ext uri="{0D108BD9-81ED-4DB2-BD59-A6C34878D82A}">
+                    <a16:rowId xmlns:a16="http://schemas.microsoft.com/office/drawing/2014/main" val="3223073991"/>
+                  </a:ext>
+                </a:extLst>
+              </a:tr>
+            </a:tbl>
+          </a:graphicData>
+        </a:graphic>
+      </p:graphicFrame>
+      <p:graphicFrame>
+        <p:nvGraphicFramePr>
+          <p:cNvPr id="10" name="表格 9">
+            <a:extLst>
+              <a:ext uri="{FF2B5EF4-FFF2-40B4-BE49-F238E27FC236}">
+                <a16:creationId xmlns:a16="http://schemas.microsoft.com/office/drawing/2014/main" id="{9142B67E-4793-49C1-B0FB-CE4A1F814616}"/>
+              </a:ext>
+            </a:extLst>
+          </p:cNvPr>
+          <p:cNvGraphicFramePr>
+            <a:graphicFrameLocks noGrp="1"/>
+          </p:cNvGraphicFramePr>
+          <p:nvPr>
+            <p:extLst>
+              <p:ext uri="{D42A27DB-BD31-4B8C-83A1-F6EECF244321}">
+                <p14:modId xmlns:p14="http://schemas.microsoft.com/office/powerpoint/2010/main" val="2212036263"/>
+              </p:ext>
+            </p:extLst>
+          </p:nvPr>
+        </p:nvGraphicFramePr>
+        <p:xfrm>
+          <a:off x="6154739" y="2815855"/>
+          <a:ext cx="1039813" cy="741680"/>
+        </p:xfrm>
+        <a:graphic>
+          <a:graphicData uri="http://schemas.openxmlformats.org/drawingml/2006/table">
+            <a:tbl>
+              <a:tblPr firstRow="1" bandRow="1">
+                <a:tableStyleId>{7E9639D4-E3E2-4D34-9284-5A2195B3D0D7}</a:tableStyleId>
+              </a:tblPr>
+              <a:tblGrid>
+                <a:gridCol w="1039813">
+                  <a:extLst>
+                    <a:ext uri="{9D8B030D-6E8A-4147-A177-3AD203B41FA5}">
+                      <a16:colId xmlns:a16="http://schemas.microsoft.com/office/drawing/2014/main" val="97387923"/>
+                    </a:ext>
+                  </a:extLst>
+                </a:gridCol>
+              </a:tblGrid>
+              <a:tr h="370840">
+                <a:tc>
+                  <a:txBody>
+                    <a:bodyPr/>
+                    <a:lstStyle/>
+                    <a:p>
+                      <a:r>
+                        <a:rPr lang="en-US" altLang="zh-CN" dirty="0">
+                          <a:solidFill>
+                            <a:schemeClr val="tx1"/>
+                          </a:solidFill>
+                        </a:rPr>
+                        <a:t>sno</a:t>
+                      </a:r>
+                      <a:endParaRPr lang="zh-CN" altLang="en-US" dirty="0">
+                        <a:solidFill>
+                          <a:schemeClr val="tx1"/>
+                        </a:solidFill>
+                      </a:endParaRPr>
+                    </a:p>
+                  </a:txBody>
+                  <a:tcPr>
+                    <a:solidFill>
+                      <a:schemeClr val="accent1">
+                        <a:lumMod val="20000"/>
+                        <a:lumOff val="80000"/>
+                      </a:schemeClr>
+                    </a:solidFill>
+                  </a:tcPr>
+                </a:tc>
+                <a:extLst>
+                  <a:ext uri="{0D108BD9-81ED-4DB2-BD59-A6C34878D82A}">
+                    <a16:rowId xmlns:a16="http://schemas.microsoft.com/office/drawing/2014/main" val="422147485"/>
+                  </a:ext>
+                </a:extLst>
+              </a:tr>
+              <a:tr h="370840">
+                <a:tc>
+                  <a:txBody>
+                    <a:bodyPr/>
+                    <a:lstStyle/>
+                    <a:p>
+                      <a:r>
+                        <a:rPr lang="en-US" altLang="zh-CN" b="1" dirty="0"/>
+                        <a:t>s1</a:t>
+                      </a:r>
+                      <a:endParaRPr lang="zh-CN" altLang="en-US" b="1" dirty="0"/>
+                    </a:p>
+                  </a:txBody>
+                  <a:tcPr/>
+                </a:tc>
+                <a:extLst>
+                  <a:ext uri="{0D108BD9-81ED-4DB2-BD59-A6C34878D82A}">
+                    <a16:rowId xmlns:a16="http://schemas.microsoft.com/office/drawing/2014/main" val="895982707"/>
+                  </a:ext>
+                </a:extLst>
+              </a:tr>
+            </a:tbl>
+          </a:graphicData>
+        </a:graphic>
+      </p:graphicFrame>
+      <p:sp>
+        <p:nvSpPr>
+          <p:cNvPr id="11" name="文本框 10">
+            <a:extLst>
+              <a:ext uri="{FF2B5EF4-FFF2-40B4-BE49-F238E27FC236}">
+                <a16:creationId xmlns:a16="http://schemas.microsoft.com/office/drawing/2014/main" id="{555878DF-2EB4-4651-943B-3F46A6F33003}"/>
+              </a:ext>
+            </a:extLst>
+          </p:cNvPr>
+          <p:cNvSpPr txBox="1"/>
+          <p:nvPr/>
+        </p:nvSpPr>
+        <p:spPr>
+          <a:xfrm>
+            <a:off x="3158808" y="4682755"/>
+            <a:ext cx="711834" cy="369332"/>
+          </a:xfrm>
+          <a:prstGeom prst="rect">
+            <a:avLst/>
+          </a:prstGeom>
+          <a:noFill/>
+        </p:spPr>
+        <p:txBody>
+          <a:bodyPr wrap="square" rtlCol="0">
+            <a:spAutoFit/>
+          </a:bodyPr>
+          <a:lstStyle/>
+          <a:p>
+            <a:pPr algn="ctr"/>
+            <a:r>
+              <a:rPr lang="en-US" altLang="zh-CN" b="1" dirty="0"/>
+              <a:t>A/B1</a:t>
+            </a:r>
+            <a:endParaRPr lang="zh-CN" altLang="en-US" b="1" dirty="0"/>
+          </a:p>
+        </p:txBody>
+      </p:sp>
+      <p:sp>
+        <p:nvSpPr>
+          <p:cNvPr id="12" name="文本框 11">
+            <a:extLst>
+              <a:ext uri="{FF2B5EF4-FFF2-40B4-BE49-F238E27FC236}">
+                <a16:creationId xmlns:a16="http://schemas.microsoft.com/office/drawing/2014/main" id="{325F4C78-1795-43A8-B5E9-0DA4BDE7BB08}"/>
+              </a:ext>
+            </a:extLst>
+          </p:cNvPr>
+          <p:cNvSpPr txBox="1"/>
+          <p:nvPr/>
+        </p:nvSpPr>
+        <p:spPr>
+          <a:xfrm>
+            <a:off x="3158808" y="1495001"/>
+            <a:ext cx="711834" cy="369332"/>
+          </a:xfrm>
+          <a:prstGeom prst="rect">
+            <a:avLst/>
+          </a:prstGeom>
+          <a:noFill/>
+        </p:spPr>
+        <p:txBody>
+          <a:bodyPr wrap="square" rtlCol="0">
+            <a:spAutoFit/>
+          </a:bodyPr>
+          <a:lstStyle/>
+          <a:p>
+            <a:pPr algn="ctr"/>
+            <a:r>
+              <a:rPr lang="en-US" altLang="zh-CN" b="1"/>
+              <a:t>B1</a:t>
+            </a:r>
+            <a:endParaRPr lang="zh-CN" altLang="en-US" b="1" dirty="0"/>
+          </a:p>
+        </p:txBody>
+      </p:sp>
+      <p:sp>
+        <p:nvSpPr>
+          <p:cNvPr id="13" name="文本框 12">
+            <a:extLst>
+              <a:ext uri="{FF2B5EF4-FFF2-40B4-BE49-F238E27FC236}">
+                <a16:creationId xmlns:a16="http://schemas.microsoft.com/office/drawing/2014/main" id="{E9D84FB1-4F80-4BF7-990B-623D2D0F6B2B}"/>
+              </a:ext>
+            </a:extLst>
+          </p:cNvPr>
+          <p:cNvSpPr txBox="1"/>
+          <p:nvPr/>
+        </p:nvSpPr>
+        <p:spPr>
+          <a:xfrm>
+            <a:off x="4734402" y="1875512"/>
+            <a:ext cx="711834" cy="369332"/>
+          </a:xfrm>
+          <a:prstGeom prst="rect">
+            <a:avLst/>
+          </a:prstGeom>
+          <a:noFill/>
+        </p:spPr>
+        <p:txBody>
+          <a:bodyPr wrap="square" rtlCol="0">
+            <a:spAutoFit/>
+          </a:bodyPr>
+          <a:lstStyle/>
+          <a:p>
+            <a:pPr algn="ctr"/>
+            <a:r>
+              <a:rPr lang="en-US" altLang="zh-CN" b="1"/>
+              <a:t>B2</a:t>
+            </a:r>
+            <a:endParaRPr lang="zh-CN" altLang="en-US" b="1" dirty="0"/>
+          </a:p>
+        </p:txBody>
+      </p:sp>
+      <p:sp>
+        <p:nvSpPr>
+          <p:cNvPr id="14" name="文本框 13">
+            <a:extLst>
+              <a:ext uri="{FF2B5EF4-FFF2-40B4-BE49-F238E27FC236}">
+                <a16:creationId xmlns:a16="http://schemas.microsoft.com/office/drawing/2014/main" id="{9BF717B2-4774-40F1-B22B-369FB70A4B8E}"/>
+              </a:ext>
+            </a:extLst>
+          </p:cNvPr>
+          <p:cNvSpPr txBox="1"/>
+          <p:nvPr/>
+        </p:nvSpPr>
+        <p:spPr>
+          <a:xfrm>
+            <a:off x="6318728" y="2229061"/>
+            <a:ext cx="711834" cy="369332"/>
+          </a:xfrm>
+          <a:prstGeom prst="rect">
+            <a:avLst/>
+          </a:prstGeom>
+          <a:noFill/>
+        </p:spPr>
+        <p:txBody>
+          <a:bodyPr wrap="square" rtlCol="0">
+            <a:spAutoFit/>
+          </a:bodyPr>
+          <a:lstStyle/>
+          <a:p>
+            <a:pPr algn="ctr"/>
+            <a:r>
+              <a:rPr lang="en-US" altLang="zh-CN" b="1"/>
+              <a:t>B3</a:t>
+            </a:r>
+            <a:endParaRPr lang="zh-CN" altLang="en-US" b="1" dirty="0"/>
+          </a:p>
+        </p:txBody>
+      </p:sp>
+      <p:sp>
+        <p:nvSpPr>
+          <p:cNvPr id="15" name="文本框 14">
+            <a:extLst>
+              <a:ext uri="{FF2B5EF4-FFF2-40B4-BE49-F238E27FC236}">
+                <a16:creationId xmlns:a16="http://schemas.microsoft.com/office/drawing/2014/main" id="{6DF1988D-D5E5-41F9-AC6B-AE47EAA2C8A0}"/>
+              </a:ext>
+            </a:extLst>
+          </p:cNvPr>
+          <p:cNvSpPr txBox="1"/>
+          <p:nvPr/>
+        </p:nvSpPr>
+        <p:spPr>
+          <a:xfrm>
+            <a:off x="1268889" y="4637620"/>
+            <a:ext cx="711834" cy="369332"/>
+          </a:xfrm>
+          <a:prstGeom prst="rect">
+            <a:avLst/>
+          </a:prstGeom>
+          <a:noFill/>
+        </p:spPr>
+        <p:txBody>
+          <a:bodyPr wrap="square" rtlCol="0">
+            <a:spAutoFit/>
+          </a:bodyPr>
+          <a:lstStyle/>
+          <a:p>
+            <a:pPr algn="ctr"/>
+            <a:r>
+              <a:rPr lang="en-US" altLang="zh-CN" b="1"/>
+              <a:t>A</a:t>
+            </a:r>
+            <a:endParaRPr lang="zh-CN" altLang="en-US" b="1" dirty="0"/>
+          </a:p>
+        </p:txBody>
+      </p:sp>
+      <p:sp>
+        <p:nvSpPr>
+          <p:cNvPr id="16" name="文本框 15">
+            <a:extLst>
+              <a:ext uri="{FF2B5EF4-FFF2-40B4-BE49-F238E27FC236}">
+                <a16:creationId xmlns:a16="http://schemas.microsoft.com/office/drawing/2014/main" id="{3042C7D4-70A4-4517-AEBD-F9E6A4BB763D}"/>
+              </a:ext>
+            </a:extLst>
+          </p:cNvPr>
+          <p:cNvSpPr txBox="1"/>
+          <p:nvPr/>
+        </p:nvSpPr>
+        <p:spPr>
+          <a:xfrm>
+            <a:off x="4751864" y="3940627"/>
+            <a:ext cx="711834" cy="369332"/>
+          </a:xfrm>
+          <a:prstGeom prst="rect">
+            <a:avLst/>
+          </a:prstGeom>
+          <a:noFill/>
+        </p:spPr>
+        <p:txBody>
+          <a:bodyPr wrap="square" rtlCol="0">
+            <a:spAutoFit/>
+          </a:bodyPr>
+          <a:lstStyle/>
+          <a:p>
+            <a:pPr algn="ctr"/>
+            <a:r>
+              <a:rPr lang="en-US" altLang="zh-CN" b="1"/>
+              <a:t>A/B2</a:t>
+            </a:r>
+            <a:endParaRPr lang="zh-CN" altLang="en-US" b="1" dirty="0"/>
+          </a:p>
+        </p:txBody>
+      </p:sp>
+      <p:sp>
+        <p:nvSpPr>
+          <p:cNvPr id="17" name="文本框 16">
+            <a:extLst>
+              <a:ext uri="{FF2B5EF4-FFF2-40B4-BE49-F238E27FC236}">
+                <a16:creationId xmlns:a16="http://schemas.microsoft.com/office/drawing/2014/main" id="{6A2DA815-1A5D-4555-A19B-55F3B562D258}"/>
+              </a:ext>
+            </a:extLst>
+          </p:cNvPr>
+          <p:cNvSpPr txBox="1"/>
+          <p:nvPr/>
+        </p:nvSpPr>
+        <p:spPr>
+          <a:xfrm>
+            <a:off x="6301265" y="3571295"/>
+            <a:ext cx="711834" cy="369332"/>
+          </a:xfrm>
+          <a:prstGeom prst="rect">
+            <a:avLst/>
+          </a:prstGeom>
+          <a:noFill/>
+        </p:spPr>
+        <p:txBody>
+          <a:bodyPr wrap="square" rtlCol="0">
+            <a:spAutoFit/>
+          </a:bodyPr>
+          <a:lstStyle/>
+          <a:p>
+            <a:pPr algn="ctr"/>
+            <a:r>
+              <a:rPr lang="en-US" altLang="zh-CN" b="1"/>
+              <a:t>A/B3</a:t>
+            </a:r>
+            <a:endParaRPr lang="zh-CN" altLang="en-US" b="1" dirty="0"/>
+          </a:p>
+        </p:txBody>
+      </p:sp>
+      <p:sp>
+        <p:nvSpPr>
+          <p:cNvPr id="18" name="矩形 17">
+            <a:extLst>
+              <a:ext uri="{FF2B5EF4-FFF2-40B4-BE49-F238E27FC236}">
+                <a16:creationId xmlns:a16="http://schemas.microsoft.com/office/drawing/2014/main" id="{942CACDA-CC0B-4992-8C12-740D21C9DA17}"/>
+              </a:ext>
+            </a:extLst>
+          </p:cNvPr>
+          <p:cNvSpPr/>
+          <p:nvPr/>
+        </p:nvSpPr>
+        <p:spPr>
+          <a:xfrm>
+            <a:off x="594360" y="579120"/>
+            <a:ext cx="6774180" cy="4663440"/>
+          </a:xfrm>
+          <a:prstGeom prst="rect">
+            <a:avLst/>
+          </a:prstGeom>
+          <a:noFill/>
+          <a:ln w="38100">
+            <a:solidFill>
+              <a:schemeClr val="bg2">
+                <a:lumMod val="50000"/>
+              </a:schemeClr>
+            </a:solidFill>
+          </a:ln>
+        </p:spPr>
+        <p:style>
+          <a:lnRef idx="2">
+            <a:schemeClr val="accent1">
+              <a:shade val="50000"/>
+            </a:schemeClr>
+          </a:lnRef>
+          <a:fillRef idx="1">
+            <a:schemeClr val="accent1"/>
+          </a:fillRef>
+          <a:effectRef idx="0">
+            <a:schemeClr val="accent1"/>
+          </a:effectRef>
+          <a:fontRef idx="minor">
+            <a:schemeClr val="lt1"/>
+          </a:fontRef>
+        </p:style>
+        <p:txBody>
+          <a:bodyPr rtlCol="0" anchor="ctr"/>
+          <a:lstStyle/>
+          <a:p>
+            <a:pPr algn="ctr"/>
+            <a:endParaRPr lang="zh-CN" altLang="en-US"/>
+          </a:p>
+        </p:txBody>
+      </p:sp>
+    </p:spTree>
+    <p:extLst>
+      <p:ext uri="{BB962C8B-B14F-4D97-AF65-F5344CB8AC3E}">
+        <p14:creationId xmlns:p14="http://schemas.microsoft.com/office/powerpoint/2010/main" val="295437728"/>
+      </p:ext>
+    </p:extLst>
+  </p:cSld>
+  <p:clrMapOvr>
+    <a:masterClrMapping/>
+  </p:clrMapOvr>
+</p:sld>
+</file>
+
+<file path=ppt/slides/slide7.xml><?xml version="1.0" encoding="utf-8"?>
+<p:sld xmlns:a="http://schemas.openxmlformats.org/drawingml/2006/main" xmlns:r="http://schemas.openxmlformats.org/officeDocument/2006/relationships" xmlns:p="http://schemas.openxmlformats.org/presentationml/2006/main">
+  <p:cSld>
+    <p:spTree>
+      <p:nvGrpSpPr>
+        <p:cNvPr id="1" name=""/>
+        <p:cNvGrpSpPr/>
+        <p:nvPr/>
+      </p:nvGrpSpPr>
+      <p:grpSpPr>
+        <a:xfrm>
+          <a:off x="0" y="0"/>
+          <a:ext cx="0" cy="0"/>
+          <a:chOff x="0" y="0"/>
+          <a:chExt cx="0" cy="0"/>
+        </a:xfrm>
+      </p:grpSpPr>
+      <p:pic>
+        <p:nvPicPr>
+          <p:cNvPr id="5" name="图片 4">
+            <a:extLst>
+              <a:ext uri="{FF2B5EF4-FFF2-40B4-BE49-F238E27FC236}">
+                <a16:creationId xmlns:a16="http://schemas.microsoft.com/office/drawing/2014/main" id="{0DB40F21-9205-4758-AF70-48F95E219D10}"/>
+              </a:ext>
+            </a:extLst>
+          </p:cNvPr>
+          <p:cNvPicPr>
+            <a:picLocks noChangeAspect="1"/>
+          </p:cNvPicPr>
+          <p:nvPr/>
+        </p:nvPicPr>
+        <p:blipFill>
+          <a:blip r:embed="rId2">
+            <a:extLst>
+              <a:ext uri="{28A0092B-C50C-407E-A947-70E740481C1C}">
+                <a14:useLocalDpi xmlns:a14="http://schemas.microsoft.com/office/drawing/2010/main" val="0"/>
+              </a:ext>
+            </a:extLst>
+          </a:blip>
+          <a:stretch>
+            <a:fillRect/>
+          </a:stretch>
+        </p:blipFill>
+        <p:spPr>
+          <a:xfrm>
+            <a:off x="2765844" y="1767754"/>
+            <a:ext cx="4983912" cy="1981372"/>
+          </a:xfrm>
+          <a:prstGeom prst="rect">
+            <a:avLst/>
+          </a:prstGeom>
+        </p:spPr>
+      </p:pic>
+      <p:sp>
+        <p:nvSpPr>
+          <p:cNvPr id="6" name="矩形 5">
+            <a:extLst>
+              <a:ext uri="{FF2B5EF4-FFF2-40B4-BE49-F238E27FC236}">
+                <a16:creationId xmlns:a16="http://schemas.microsoft.com/office/drawing/2014/main" id="{7B0245B3-69CA-44BE-8195-4E62B2A25AB8}"/>
+              </a:ext>
+            </a:extLst>
+          </p:cNvPr>
+          <p:cNvSpPr/>
+          <p:nvPr/>
+        </p:nvSpPr>
+        <p:spPr>
+          <a:xfrm>
+            <a:off x="7048500" y="3649980"/>
+            <a:ext cx="701256" cy="99146"/>
+          </a:xfrm>
+          <a:prstGeom prst="rect">
+            <a:avLst/>
+          </a:prstGeom>
+          <a:solidFill>
+            <a:srgbClr val="FFFCEB"/>
+          </a:solidFill>
+          <a:ln>
+            <a:solidFill>
+              <a:srgbClr val="FFFCEB"/>
+            </a:solidFill>
+          </a:ln>
+        </p:spPr>
+        <p:style>
+          <a:lnRef idx="2">
+            <a:schemeClr val="accent1">
+              <a:shade val="50000"/>
+            </a:schemeClr>
+          </a:lnRef>
+          <a:fillRef idx="1">
+            <a:schemeClr val="accent1"/>
+          </a:fillRef>
+          <a:effectRef idx="0">
+            <a:schemeClr val="accent1"/>
+          </a:effectRef>
+          <a:fontRef idx="minor">
+            <a:schemeClr val="lt1"/>
+          </a:fontRef>
+        </p:style>
+        <p:txBody>
+          <a:bodyPr rtlCol="0" anchor="ctr"/>
+          <a:lstStyle/>
+          <a:p>
+            <a:pPr algn="ctr"/>
+            <a:endParaRPr lang="zh-CN" altLang="en-US"/>
+          </a:p>
+        </p:txBody>
+      </p:sp>
+    </p:spTree>
+    <p:extLst>
+      <p:ext uri="{BB962C8B-B14F-4D97-AF65-F5344CB8AC3E}">
+        <p14:creationId xmlns:p14="http://schemas.microsoft.com/office/powerpoint/2010/main" val="1420245452"/>
+      </p:ext>
+    </p:extLst>
+  </p:cSld>
+  <p:clrMapOvr>
+    <a:masterClrMapping/>
+  </p:clrMapOvr>
+</p:sld>
+</file>
+
 <file path=ppt/theme/theme1.xml><?xml version="1.0" encoding="utf-8"?>
 <a:theme xmlns:a="http://schemas.openxmlformats.org/drawingml/2006/main" name="Office 主题​​">
   <a:themeElements>

--- a/drawing/图片.pptx
+++ b/drawing/图片.pptx
@@ -265,7 +265,7 @@
           <a:p>
             <a:fld id="{8B114F6E-A714-4CDD-9511-1F5AA9285562}" type="datetimeFigureOut">
               <a:rPr lang="zh-CN" altLang="en-US" smtClean="0"/>
-              <a:t>2019/7/31</a:t>
+              <a:t>2019/8/2</a:t>
             </a:fld>
             <a:endParaRPr lang="zh-CN" altLang="en-US"/>
           </a:p>
@@ -463,7 +463,7 @@
           <a:p>
             <a:fld id="{8B114F6E-A714-4CDD-9511-1F5AA9285562}" type="datetimeFigureOut">
               <a:rPr lang="zh-CN" altLang="en-US" smtClean="0"/>
-              <a:t>2019/7/31</a:t>
+              <a:t>2019/8/2</a:t>
             </a:fld>
             <a:endParaRPr lang="zh-CN" altLang="en-US"/>
           </a:p>
@@ -671,7 +671,7 @@
           <a:p>
             <a:fld id="{8B114F6E-A714-4CDD-9511-1F5AA9285562}" type="datetimeFigureOut">
               <a:rPr lang="zh-CN" altLang="en-US" smtClean="0"/>
-              <a:t>2019/7/31</a:t>
+              <a:t>2019/8/2</a:t>
             </a:fld>
             <a:endParaRPr lang="zh-CN" altLang="en-US"/>
           </a:p>
@@ -869,7 +869,7 @@
           <a:p>
             <a:fld id="{8B114F6E-A714-4CDD-9511-1F5AA9285562}" type="datetimeFigureOut">
               <a:rPr lang="zh-CN" altLang="en-US" smtClean="0"/>
-              <a:t>2019/7/31</a:t>
+              <a:t>2019/8/2</a:t>
             </a:fld>
             <a:endParaRPr lang="zh-CN" altLang="en-US"/>
           </a:p>
@@ -1144,7 +1144,7 @@
           <a:p>
             <a:fld id="{8B114F6E-A714-4CDD-9511-1F5AA9285562}" type="datetimeFigureOut">
               <a:rPr lang="zh-CN" altLang="en-US" smtClean="0"/>
-              <a:t>2019/7/31</a:t>
+              <a:t>2019/8/2</a:t>
             </a:fld>
             <a:endParaRPr lang="zh-CN" altLang="en-US"/>
           </a:p>
@@ -1409,7 +1409,7 @@
           <a:p>
             <a:fld id="{8B114F6E-A714-4CDD-9511-1F5AA9285562}" type="datetimeFigureOut">
               <a:rPr lang="zh-CN" altLang="en-US" smtClean="0"/>
-              <a:t>2019/7/31</a:t>
+              <a:t>2019/8/2</a:t>
             </a:fld>
             <a:endParaRPr lang="zh-CN" altLang="en-US"/>
           </a:p>
@@ -1821,7 +1821,7 @@
           <a:p>
             <a:fld id="{8B114F6E-A714-4CDD-9511-1F5AA9285562}" type="datetimeFigureOut">
               <a:rPr lang="zh-CN" altLang="en-US" smtClean="0"/>
-              <a:t>2019/7/31</a:t>
+              <a:t>2019/8/2</a:t>
             </a:fld>
             <a:endParaRPr lang="zh-CN" altLang="en-US"/>
           </a:p>
@@ -1962,7 +1962,7 @@
           <a:p>
             <a:fld id="{8B114F6E-A714-4CDD-9511-1F5AA9285562}" type="datetimeFigureOut">
               <a:rPr lang="zh-CN" altLang="en-US" smtClean="0"/>
-              <a:t>2019/7/31</a:t>
+              <a:t>2019/8/2</a:t>
             </a:fld>
             <a:endParaRPr lang="zh-CN" altLang="en-US"/>
           </a:p>
@@ -2075,7 +2075,7 @@
           <a:p>
             <a:fld id="{8B114F6E-A714-4CDD-9511-1F5AA9285562}" type="datetimeFigureOut">
               <a:rPr lang="zh-CN" altLang="en-US" smtClean="0"/>
-              <a:t>2019/7/31</a:t>
+              <a:t>2019/8/2</a:t>
             </a:fld>
             <a:endParaRPr lang="zh-CN" altLang="en-US"/>
           </a:p>
@@ -2386,7 +2386,7 @@
           <a:p>
             <a:fld id="{8B114F6E-A714-4CDD-9511-1F5AA9285562}" type="datetimeFigureOut">
               <a:rPr lang="zh-CN" altLang="en-US" smtClean="0"/>
-              <a:t>2019/7/31</a:t>
+              <a:t>2019/8/2</a:t>
             </a:fld>
             <a:endParaRPr lang="zh-CN" altLang="en-US"/>
           </a:p>
@@ -2674,7 +2674,7 @@
           <a:p>
             <a:fld id="{8B114F6E-A714-4CDD-9511-1F5AA9285562}" type="datetimeFigureOut">
               <a:rPr lang="zh-CN" altLang="en-US" smtClean="0"/>
-              <a:t>2019/7/31</a:t>
+              <a:t>2019/8/2</a:t>
             </a:fld>
             <a:endParaRPr lang="zh-CN" altLang="en-US"/>
           </a:p>
@@ -2915,7 +2915,7 @@
           <a:p>
             <a:fld id="{8B114F6E-A714-4CDD-9511-1F5AA9285562}" type="datetimeFigureOut">
               <a:rPr lang="zh-CN" altLang="en-US" smtClean="0"/>
-              <a:t>2019/7/31</a:t>
+              <a:t>2019/8/2</a:t>
             </a:fld>
             <a:endParaRPr lang="zh-CN" altLang="en-US"/>
           </a:p>
@@ -7143,7 +7143,7 @@
         </p:blipFill>
         <p:spPr>
           <a:xfrm>
-            <a:off x="2765844" y="1767754"/>
+            <a:off x="74228" y="108632"/>
             <a:ext cx="4983912" cy="1981372"/>
           </a:xfrm>
           <a:prstGeom prst="rect">
@@ -7165,7 +7165,7 @@
         </p:nvSpPr>
         <p:spPr>
           <a:xfrm>
-            <a:off x="7048500" y="3649980"/>
+            <a:off x="4356884" y="1990105"/>
             <a:ext cx="701256" cy="99146"/>
           </a:xfrm>
           <a:prstGeom prst="rect">
@@ -7205,6 +7205,722 @@
           </a:p>
         </p:txBody>
       </p:sp>
+      <p:sp>
+        <p:nvSpPr>
+          <p:cNvPr id="2" name="矩形 1">
+            <a:extLst>
+              <a:ext uri="{FF2B5EF4-FFF2-40B4-BE49-F238E27FC236}">
+                <a16:creationId xmlns:a16="http://schemas.microsoft.com/office/drawing/2014/main" id="{6CD8CC23-FBCA-43D1-86E4-B1EE17B5F43B}"/>
+              </a:ext>
+            </a:extLst>
+          </p:cNvPr>
+          <p:cNvSpPr/>
+          <p:nvPr/>
+        </p:nvSpPr>
+        <p:spPr>
+          <a:xfrm>
+            <a:off x="958232" y="3454693"/>
+            <a:ext cx="1040235" cy="369332"/>
+          </a:xfrm>
+          <a:prstGeom prst="rect">
+            <a:avLst/>
+          </a:prstGeom>
+          <a:noFill/>
+          <a:ln w="28575">
+            <a:solidFill>
+              <a:schemeClr val="tx1">
+                <a:lumMod val="75000"/>
+                <a:lumOff val="25000"/>
+              </a:schemeClr>
+            </a:solidFill>
+          </a:ln>
+        </p:spPr>
+        <p:style>
+          <a:lnRef idx="2">
+            <a:schemeClr val="accent1">
+              <a:shade val="50000"/>
+            </a:schemeClr>
+          </a:lnRef>
+          <a:fillRef idx="1">
+            <a:schemeClr val="accent1"/>
+          </a:fillRef>
+          <a:effectRef idx="0">
+            <a:schemeClr val="accent1"/>
+          </a:effectRef>
+          <a:fontRef idx="minor">
+            <a:schemeClr val="lt1"/>
+          </a:fontRef>
+        </p:style>
+        <p:txBody>
+          <a:bodyPr rtlCol="0" anchor="ctr"/>
+          <a:lstStyle/>
+          <a:p>
+            <a:pPr algn="ctr"/>
+            <a:endParaRPr lang="zh-CN" altLang="en-US" b="1">
+              <a:solidFill>
+                <a:schemeClr val="tx1">
+                  <a:lumMod val="65000"/>
+                  <a:lumOff val="35000"/>
+                </a:schemeClr>
+              </a:solidFill>
+            </a:endParaRPr>
+          </a:p>
+        </p:txBody>
+      </p:sp>
+      <p:sp>
+        <p:nvSpPr>
+          <p:cNvPr id="3" name="文本框 2">
+            <a:extLst>
+              <a:ext uri="{FF2B5EF4-FFF2-40B4-BE49-F238E27FC236}">
+                <a16:creationId xmlns:a16="http://schemas.microsoft.com/office/drawing/2014/main" id="{16228FD2-4E58-47BE-8526-60D8E1500BD4}"/>
+              </a:ext>
+            </a:extLst>
+          </p:cNvPr>
+          <p:cNvSpPr txBox="1"/>
+          <p:nvPr/>
+        </p:nvSpPr>
+        <p:spPr>
+          <a:xfrm>
+            <a:off x="1036040" y="3454693"/>
+            <a:ext cx="884618" cy="369332"/>
+          </a:xfrm>
+          <a:prstGeom prst="rect">
+            <a:avLst/>
+          </a:prstGeom>
+          <a:noFill/>
+        </p:spPr>
+        <p:txBody>
+          <a:bodyPr wrap="square" rtlCol="0">
+            <a:spAutoFit/>
+          </a:bodyPr>
+          <a:lstStyle/>
+          <a:p>
+            <a:pPr algn="ctr"/>
+            <a:r>
+              <a:rPr lang="zh-CN" altLang="en-US" b="1" dirty="0">
+                <a:solidFill>
+                  <a:schemeClr val="tx1">
+                    <a:lumMod val="65000"/>
+                    <a:lumOff val="35000"/>
+                  </a:schemeClr>
+                </a:solidFill>
+              </a:rPr>
+              <a:t>高校</a:t>
+            </a:r>
+          </a:p>
+        </p:txBody>
+      </p:sp>
+      <p:sp>
+        <p:nvSpPr>
+          <p:cNvPr id="7" name="矩形 6">
+            <a:extLst>
+              <a:ext uri="{FF2B5EF4-FFF2-40B4-BE49-F238E27FC236}">
+                <a16:creationId xmlns:a16="http://schemas.microsoft.com/office/drawing/2014/main" id="{33CE4FA3-16E2-4917-837B-4B7AADF13091}"/>
+              </a:ext>
+            </a:extLst>
+          </p:cNvPr>
+          <p:cNvSpPr/>
+          <p:nvPr/>
+        </p:nvSpPr>
+        <p:spPr>
+          <a:xfrm>
+            <a:off x="3946111" y="3454693"/>
+            <a:ext cx="1040235" cy="369332"/>
+          </a:xfrm>
+          <a:prstGeom prst="rect">
+            <a:avLst/>
+          </a:prstGeom>
+          <a:noFill/>
+          <a:ln w="28575">
+            <a:solidFill>
+              <a:schemeClr val="tx1">
+                <a:lumMod val="75000"/>
+                <a:lumOff val="25000"/>
+              </a:schemeClr>
+            </a:solidFill>
+          </a:ln>
+        </p:spPr>
+        <p:style>
+          <a:lnRef idx="2">
+            <a:schemeClr val="accent1">
+              <a:shade val="50000"/>
+            </a:schemeClr>
+          </a:lnRef>
+          <a:fillRef idx="1">
+            <a:schemeClr val="accent1"/>
+          </a:fillRef>
+          <a:effectRef idx="0">
+            <a:schemeClr val="accent1"/>
+          </a:effectRef>
+          <a:fontRef idx="minor">
+            <a:schemeClr val="lt1"/>
+          </a:fontRef>
+        </p:style>
+        <p:txBody>
+          <a:bodyPr rtlCol="0" anchor="ctr"/>
+          <a:lstStyle/>
+          <a:p>
+            <a:pPr algn="ctr"/>
+            <a:endParaRPr lang="zh-CN" altLang="en-US" b="1">
+              <a:solidFill>
+                <a:schemeClr val="tx1">
+                  <a:lumMod val="65000"/>
+                  <a:lumOff val="35000"/>
+                </a:schemeClr>
+              </a:solidFill>
+            </a:endParaRPr>
+          </a:p>
+        </p:txBody>
+      </p:sp>
+      <p:sp>
+        <p:nvSpPr>
+          <p:cNvPr id="8" name="文本框 7">
+            <a:extLst>
+              <a:ext uri="{FF2B5EF4-FFF2-40B4-BE49-F238E27FC236}">
+                <a16:creationId xmlns:a16="http://schemas.microsoft.com/office/drawing/2014/main" id="{123A084C-9E16-4B5B-900C-0CF00FAADDCF}"/>
+              </a:ext>
+            </a:extLst>
+          </p:cNvPr>
+          <p:cNvSpPr txBox="1"/>
+          <p:nvPr/>
+        </p:nvSpPr>
+        <p:spPr>
+          <a:xfrm>
+            <a:off x="4023919" y="3454693"/>
+            <a:ext cx="884618" cy="369332"/>
+          </a:xfrm>
+          <a:prstGeom prst="rect">
+            <a:avLst/>
+          </a:prstGeom>
+          <a:noFill/>
+        </p:spPr>
+        <p:txBody>
+          <a:bodyPr wrap="square" rtlCol="0">
+            <a:spAutoFit/>
+          </a:bodyPr>
+          <a:lstStyle/>
+          <a:p>
+            <a:pPr algn="ctr"/>
+            <a:r>
+              <a:rPr lang="zh-CN" altLang="en-US" b="1" dirty="0">
+                <a:solidFill>
+                  <a:schemeClr val="tx1">
+                    <a:lumMod val="65000"/>
+                    <a:lumOff val="35000"/>
+                  </a:schemeClr>
+                </a:solidFill>
+              </a:rPr>
+              <a:t>企业</a:t>
+            </a:r>
+          </a:p>
+        </p:txBody>
+      </p:sp>
+      <p:sp>
+        <p:nvSpPr>
+          <p:cNvPr id="4" name="菱形 3">
+            <a:extLst>
+              <a:ext uri="{FF2B5EF4-FFF2-40B4-BE49-F238E27FC236}">
+                <a16:creationId xmlns:a16="http://schemas.microsoft.com/office/drawing/2014/main" id="{EC5B792D-9B83-41C4-9F1D-09FD7E40BCE3}"/>
+              </a:ext>
+            </a:extLst>
+          </p:cNvPr>
+          <p:cNvSpPr/>
+          <p:nvPr/>
+        </p:nvSpPr>
+        <p:spPr>
+          <a:xfrm>
+            <a:off x="2380166" y="3307994"/>
+            <a:ext cx="1277923" cy="662730"/>
+          </a:xfrm>
+          <a:prstGeom prst="diamond">
+            <a:avLst/>
+          </a:prstGeom>
+          <a:noFill/>
+          <a:ln w="28575">
+            <a:solidFill>
+              <a:schemeClr val="tx1">
+                <a:lumMod val="75000"/>
+                <a:lumOff val="25000"/>
+              </a:schemeClr>
+            </a:solidFill>
+          </a:ln>
+        </p:spPr>
+        <p:style>
+          <a:lnRef idx="2">
+            <a:schemeClr val="accent1">
+              <a:shade val="50000"/>
+            </a:schemeClr>
+          </a:lnRef>
+          <a:fillRef idx="1">
+            <a:schemeClr val="accent1"/>
+          </a:fillRef>
+          <a:effectRef idx="0">
+            <a:schemeClr val="accent1"/>
+          </a:effectRef>
+          <a:fontRef idx="minor">
+            <a:schemeClr val="lt1"/>
+          </a:fontRef>
+        </p:style>
+        <p:txBody>
+          <a:bodyPr rtlCol="0" anchor="ctr"/>
+          <a:lstStyle/>
+          <a:p>
+            <a:pPr algn="ctr"/>
+            <a:endParaRPr lang="zh-CN" altLang="en-US" b="1">
+              <a:solidFill>
+                <a:schemeClr val="tx1">
+                  <a:lumMod val="65000"/>
+                  <a:lumOff val="35000"/>
+                </a:schemeClr>
+              </a:solidFill>
+            </a:endParaRPr>
+          </a:p>
+        </p:txBody>
+      </p:sp>
+      <p:sp>
+        <p:nvSpPr>
+          <p:cNvPr id="9" name="文本框 8">
+            <a:extLst>
+              <a:ext uri="{FF2B5EF4-FFF2-40B4-BE49-F238E27FC236}">
+                <a16:creationId xmlns:a16="http://schemas.microsoft.com/office/drawing/2014/main" id="{ECAA187B-44F6-4764-8A01-D1A3763B3192}"/>
+              </a:ext>
+            </a:extLst>
+          </p:cNvPr>
+          <p:cNvSpPr txBox="1"/>
+          <p:nvPr/>
+        </p:nvSpPr>
+        <p:spPr>
+          <a:xfrm>
+            <a:off x="2580280" y="3454693"/>
+            <a:ext cx="884618" cy="369332"/>
+          </a:xfrm>
+          <a:prstGeom prst="rect">
+            <a:avLst/>
+          </a:prstGeom>
+          <a:noFill/>
+        </p:spPr>
+        <p:txBody>
+          <a:bodyPr wrap="square" rtlCol="0">
+            <a:spAutoFit/>
+          </a:bodyPr>
+          <a:lstStyle/>
+          <a:p>
+            <a:pPr algn="ctr"/>
+            <a:r>
+              <a:rPr lang="zh-CN" altLang="en-US" b="1" dirty="0">
+                <a:solidFill>
+                  <a:schemeClr val="tx1">
+                    <a:lumMod val="65000"/>
+                    <a:lumOff val="35000"/>
+                  </a:schemeClr>
+                </a:solidFill>
+              </a:rPr>
+              <a:t>合作</a:t>
+            </a:r>
+          </a:p>
+        </p:txBody>
+      </p:sp>
+      <p:sp>
+        <p:nvSpPr>
+          <p:cNvPr id="10" name="菱形 9">
+            <a:extLst>
+              <a:ext uri="{FF2B5EF4-FFF2-40B4-BE49-F238E27FC236}">
+                <a16:creationId xmlns:a16="http://schemas.microsoft.com/office/drawing/2014/main" id="{8A1A9818-FC98-4408-8319-0985EBD23BC9}"/>
+              </a:ext>
+            </a:extLst>
+          </p:cNvPr>
+          <p:cNvSpPr/>
+          <p:nvPr/>
+        </p:nvSpPr>
+        <p:spPr>
+          <a:xfrm>
+            <a:off x="2376705" y="4219598"/>
+            <a:ext cx="1277923" cy="662730"/>
+          </a:xfrm>
+          <a:prstGeom prst="diamond">
+            <a:avLst/>
+          </a:prstGeom>
+          <a:noFill/>
+          <a:ln w="28575">
+            <a:solidFill>
+              <a:schemeClr val="tx1">
+                <a:lumMod val="75000"/>
+                <a:lumOff val="25000"/>
+              </a:schemeClr>
+            </a:solidFill>
+          </a:ln>
+        </p:spPr>
+        <p:style>
+          <a:lnRef idx="2">
+            <a:schemeClr val="accent1">
+              <a:shade val="50000"/>
+            </a:schemeClr>
+          </a:lnRef>
+          <a:fillRef idx="1">
+            <a:schemeClr val="accent1"/>
+          </a:fillRef>
+          <a:effectRef idx="0">
+            <a:schemeClr val="accent1"/>
+          </a:effectRef>
+          <a:fontRef idx="minor">
+            <a:schemeClr val="lt1"/>
+          </a:fontRef>
+        </p:style>
+        <p:txBody>
+          <a:bodyPr rtlCol="0" anchor="ctr"/>
+          <a:lstStyle/>
+          <a:p>
+            <a:pPr algn="ctr"/>
+            <a:endParaRPr lang="zh-CN" altLang="en-US" b="1">
+              <a:solidFill>
+                <a:schemeClr val="tx1">
+                  <a:lumMod val="65000"/>
+                  <a:lumOff val="35000"/>
+                </a:schemeClr>
+              </a:solidFill>
+            </a:endParaRPr>
+          </a:p>
+        </p:txBody>
+      </p:sp>
+      <p:sp>
+        <p:nvSpPr>
+          <p:cNvPr id="11" name="文本框 10">
+            <a:extLst>
+              <a:ext uri="{FF2B5EF4-FFF2-40B4-BE49-F238E27FC236}">
+                <a16:creationId xmlns:a16="http://schemas.microsoft.com/office/drawing/2014/main" id="{C39E06FA-6132-4233-9982-3FA083F4B95E}"/>
+              </a:ext>
+            </a:extLst>
+          </p:cNvPr>
+          <p:cNvSpPr txBox="1"/>
+          <p:nvPr/>
+        </p:nvSpPr>
+        <p:spPr>
+          <a:xfrm>
+            <a:off x="2576819" y="4366297"/>
+            <a:ext cx="884618" cy="369332"/>
+          </a:xfrm>
+          <a:prstGeom prst="rect">
+            <a:avLst/>
+          </a:prstGeom>
+          <a:noFill/>
+        </p:spPr>
+        <p:txBody>
+          <a:bodyPr wrap="square" rtlCol="0">
+            <a:spAutoFit/>
+          </a:bodyPr>
+          <a:lstStyle/>
+          <a:p>
+            <a:pPr algn="ctr"/>
+            <a:r>
+              <a:rPr lang="zh-CN" altLang="en-US" b="1" dirty="0">
+                <a:solidFill>
+                  <a:schemeClr val="tx1">
+                    <a:lumMod val="65000"/>
+                    <a:lumOff val="35000"/>
+                  </a:schemeClr>
+                </a:solidFill>
+              </a:rPr>
+              <a:t>承担</a:t>
+            </a:r>
+          </a:p>
+        </p:txBody>
+      </p:sp>
+      <p:sp>
+        <p:nvSpPr>
+          <p:cNvPr id="12" name="矩形 11">
+            <a:extLst>
+              <a:ext uri="{FF2B5EF4-FFF2-40B4-BE49-F238E27FC236}">
+                <a16:creationId xmlns:a16="http://schemas.microsoft.com/office/drawing/2014/main" id="{13E7617B-C4F9-44B2-A5DA-14579D6638AB}"/>
+              </a:ext>
+            </a:extLst>
+          </p:cNvPr>
+          <p:cNvSpPr/>
+          <p:nvPr/>
+        </p:nvSpPr>
+        <p:spPr>
+          <a:xfrm>
+            <a:off x="2376705" y="5163021"/>
+            <a:ext cx="1277923" cy="369332"/>
+          </a:xfrm>
+          <a:prstGeom prst="rect">
+            <a:avLst/>
+          </a:prstGeom>
+          <a:noFill/>
+          <a:ln w="28575">
+            <a:solidFill>
+              <a:schemeClr val="tx1">
+                <a:lumMod val="75000"/>
+                <a:lumOff val="25000"/>
+              </a:schemeClr>
+            </a:solidFill>
+          </a:ln>
+        </p:spPr>
+        <p:style>
+          <a:lnRef idx="2">
+            <a:schemeClr val="accent1">
+              <a:shade val="50000"/>
+            </a:schemeClr>
+          </a:lnRef>
+          <a:fillRef idx="1">
+            <a:schemeClr val="accent1"/>
+          </a:fillRef>
+          <a:effectRef idx="0">
+            <a:schemeClr val="accent1"/>
+          </a:effectRef>
+          <a:fontRef idx="minor">
+            <a:schemeClr val="lt1"/>
+          </a:fontRef>
+        </p:style>
+        <p:txBody>
+          <a:bodyPr rtlCol="0" anchor="ctr"/>
+          <a:lstStyle/>
+          <a:p>
+            <a:pPr algn="ctr"/>
+            <a:endParaRPr lang="zh-CN" altLang="en-US" b="1">
+              <a:solidFill>
+                <a:schemeClr val="tx1">
+                  <a:lumMod val="65000"/>
+                  <a:lumOff val="35000"/>
+                </a:schemeClr>
+              </a:solidFill>
+            </a:endParaRPr>
+          </a:p>
+        </p:txBody>
+      </p:sp>
+      <p:sp>
+        <p:nvSpPr>
+          <p:cNvPr id="13" name="文本框 12">
+            <a:extLst>
+              <a:ext uri="{FF2B5EF4-FFF2-40B4-BE49-F238E27FC236}">
+                <a16:creationId xmlns:a16="http://schemas.microsoft.com/office/drawing/2014/main" id="{CC73877C-E3E0-47C8-8997-AA8FFFCA7E73}"/>
+              </a:ext>
+            </a:extLst>
+          </p:cNvPr>
+          <p:cNvSpPr txBox="1"/>
+          <p:nvPr/>
+        </p:nvSpPr>
+        <p:spPr>
+          <a:xfrm>
+            <a:off x="2415608" y="5163021"/>
+            <a:ext cx="1200115" cy="369332"/>
+          </a:xfrm>
+          <a:prstGeom prst="rect">
+            <a:avLst/>
+          </a:prstGeom>
+          <a:noFill/>
+        </p:spPr>
+        <p:txBody>
+          <a:bodyPr wrap="square" rtlCol="0">
+            <a:spAutoFit/>
+          </a:bodyPr>
+          <a:lstStyle/>
+          <a:p>
+            <a:pPr algn="ctr"/>
+            <a:r>
+              <a:rPr lang="zh-CN" altLang="en-US" b="1" dirty="0">
+                <a:solidFill>
+                  <a:schemeClr val="tx1">
+                    <a:lumMod val="65000"/>
+                    <a:lumOff val="35000"/>
+                  </a:schemeClr>
+                </a:solidFill>
+              </a:rPr>
+              <a:t>科研项目</a:t>
+            </a:r>
+          </a:p>
+        </p:txBody>
+      </p:sp>
+      <p:cxnSp>
+        <p:nvCxnSpPr>
+          <p:cNvPr id="15" name="直接连接符 14">
+            <a:extLst>
+              <a:ext uri="{FF2B5EF4-FFF2-40B4-BE49-F238E27FC236}">
+                <a16:creationId xmlns:a16="http://schemas.microsoft.com/office/drawing/2014/main" id="{F6622D41-1D12-48A2-9672-ACC97B67920C}"/>
+              </a:ext>
+            </a:extLst>
+          </p:cNvPr>
+          <p:cNvCxnSpPr>
+            <a:stCxn id="2" idx="3"/>
+            <a:endCxn id="4" idx="1"/>
+          </p:cNvCxnSpPr>
+          <p:nvPr/>
+        </p:nvCxnSpPr>
+        <p:spPr>
+          <a:xfrm>
+            <a:off x="1998467" y="3639359"/>
+            <a:ext cx="381699" cy="0"/>
+          </a:xfrm>
+          <a:prstGeom prst="line">
+            <a:avLst/>
+          </a:prstGeom>
+          <a:ln w="28575">
+            <a:solidFill>
+              <a:schemeClr val="tx1">
+                <a:lumMod val="75000"/>
+                <a:lumOff val="25000"/>
+              </a:schemeClr>
+            </a:solidFill>
+          </a:ln>
+        </p:spPr>
+        <p:style>
+          <a:lnRef idx="1">
+            <a:schemeClr val="accent1"/>
+          </a:lnRef>
+          <a:fillRef idx="0">
+            <a:schemeClr val="accent1"/>
+          </a:fillRef>
+          <a:effectRef idx="0">
+            <a:schemeClr val="accent1"/>
+          </a:effectRef>
+          <a:fontRef idx="minor">
+            <a:schemeClr val="tx1"/>
+          </a:fontRef>
+        </p:style>
+      </p:cxnSp>
+      <p:cxnSp>
+        <p:nvCxnSpPr>
+          <p:cNvPr id="16" name="直接连接符 15">
+            <a:extLst>
+              <a:ext uri="{FF2B5EF4-FFF2-40B4-BE49-F238E27FC236}">
+                <a16:creationId xmlns:a16="http://schemas.microsoft.com/office/drawing/2014/main" id="{C59BC52F-1C55-4921-829A-E85BD666A6CF}"/>
+              </a:ext>
+            </a:extLst>
+          </p:cNvPr>
+          <p:cNvCxnSpPr>
+            <a:cxnSpLocks/>
+            <a:stCxn id="4" idx="3"/>
+            <a:endCxn id="7" idx="1"/>
+          </p:cNvCxnSpPr>
+          <p:nvPr/>
+        </p:nvCxnSpPr>
+        <p:spPr>
+          <a:xfrm>
+            <a:off x="3658089" y="3639359"/>
+            <a:ext cx="288022" cy="0"/>
+          </a:xfrm>
+          <a:prstGeom prst="line">
+            <a:avLst/>
+          </a:prstGeom>
+          <a:ln w="28575">
+            <a:solidFill>
+              <a:schemeClr val="tx1">
+                <a:lumMod val="75000"/>
+                <a:lumOff val="25000"/>
+              </a:schemeClr>
+            </a:solidFill>
+          </a:ln>
+        </p:spPr>
+        <p:style>
+          <a:lnRef idx="1">
+            <a:schemeClr val="accent1"/>
+          </a:lnRef>
+          <a:fillRef idx="0">
+            <a:schemeClr val="accent1"/>
+          </a:fillRef>
+          <a:effectRef idx="0">
+            <a:schemeClr val="accent1"/>
+          </a:effectRef>
+          <a:fontRef idx="minor">
+            <a:schemeClr val="tx1"/>
+          </a:fontRef>
+        </p:style>
+      </p:cxnSp>
+      <p:cxnSp>
+        <p:nvCxnSpPr>
+          <p:cNvPr id="19" name="直接连接符 18">
+            <a:extLst>
+              <a:ext uri="{FF2B5EF4-FFF2-40B4-BE49-F238E27FC236}">
+                <a16:creationId xmlns:a16="http://schemas.microsoft.com/office/drawing/2014/main" id="{B03D7284-739E-40B9-86F5-DD7CEA0E29B3}"/>
+              </a:ext>
+            </a:extLst>
+          </p:cNvPr>
+          <p:cNvCxnSpPr>
+            <a:cxnSpLocks/>
+            <a:stCxn id="4" idx="2"/>
+            <a:endCxn id="10" idx="0"/>
+          </p:cNvCxnSpPr>
+          <p:nvPr/>
+        </p:nvCxnSpPr>
+        <p:spPr>
+          <a:xfrm flipH="1">
+            <a:off x="3015667" y="3970724"/>
+            <a:ext cx="3461" cy="248874"/>
+          </a:xfrm>
+          <a:prstGeom prst="line">
+            <a:avLst/>
+          </a:prstGeom>
+          <a:ln w="28575">
+            <a:solidFill>
+              <a:schemeClr val="tx1">
+                <a:lumMod val="75000"/>
+                <a:lumOff val="25000"/>
+              </a:schemeClr>
+            </a:solidFill>
+          </a:ln>
+        </p:spPr>
+        <p:style>
+          <a:lnRef idx="1">
+            <a:schemeClr val="accent1"/>
+          </a:lnRef>
+          <a:fillRef idx="0">
+            <a:schemeClr val="accent1"/>
+          </a:fillRef>
+          <a:effectRef idx="0">
+            <a:schemeClr val="accent1"/>
+          </a:effectRef>
+          <a:fontRef idx="minor">
+            <a:schemeClr val="tx1"/>
+          </a:fontRef>
+        </p:style>
+      </p:cxnSp>
+      <p:cxnSp>
+        <p:nvCxnSpPr>
+          <p:cNvPr id="22" name="直接连接符 21">
+            <a:extLst>
+              <a:ext uri="{FF2B5EF4-FFF2-40B4-BE49-F238E27FC236}">
+                <a16:creationId xmlns:a16="http://schemas.microsoft.com/office/drawing/2014/main" id="{18059C9A-3816-486D-82EF-F2A841CE521C}"/>
+              </a:ext>
+            </a:extLst>
+          </p:cNvPr>
+          <p:cNvCxnSpPr>
+            <a:cxnSpLocks/>
+            <a:stCxn id="10" idx="2"/>
+            <a:endCxn id="13" idx="0"/>
+          </p:cNvCxnSpPr>
+          <p:nvPr/>
+        </p:nvCxnSpPr>
+        <p:spPr>
+          <a:xfrm flipH="1">
+            <a:off x="3015666" y="4882328"/>
+            <a:ext cx="1" cy="280693"/>
+          </a:xfrm>
+          <a:prstGeom prst="line">
+            <a:avLst/>
+          </a:prstGeom>
+          <a:ln w="28575">
+            <a:solidFill>
+              <a:schemeClr val="tx1">
+                <a:lumMod val="75000"/>
+                <a:lumOff val="25000"/>
+              </a:schemeClr>
+            </a:solidFill>
+          </a:ln>
+        </p:spPr>
+        <p:style>
+          <a:lnRef idx="1">
+            <a:schemeClr val="accent1"/>
+          </a:lnRef>
+          <a:fillRef idx="0">
+            <a:schemeClr val="accent1"/>
+          </a:fillRef>
+          <a:effectRef idx="0">
+            <a:schemeClr val="accent1"/>
+          </a:effectRef>
+          <a:fontRef idx="minor">
+            <a:schemeClr val="tx1"/>
+          </a:fontRef>
+        </p:style>
+      </p:cxnSp>
     </p:spTree>
     <p:extLst>
       <p:ext uri="{BB962C8B-B14F-4D97-AF65-F5344CB8AC3E}">
